--- a/presentations/SPG_spint1_presentation.pptx
+++ b/presentations/SPG_spint1_presentation.pptx
@@ -5,21 +5,22 @@
     <p:sldMasterId id="2147483673" r:id="rId1"/>
   </p:sldMasterIdLst>
   <p:notesMasterIdLst>
-    <p:notesMasterId r:id="rId11"/>
+    <p:notesMasterId r:id="rId12"/>
   </p:notesMasterIdLst>
   <p:handoutMasterIdLst>
-    <p:handoutMasterId r:id="rId12"/>
+    <p:handoutMasterId r:id="rId13"/>
   </p:handoutMasterIdLst>
   <p:sldIdLst>
     <p:sldId id="257" r:id="rId2"/>
     <p:sldId id="266" r:id="rId3"/>
     <p:sldId id="268" r:id="rId4"/>
-    <p:sldId id="262" r:id="rId5"/>
-    <p:sldId id="263" r:id="rId6"/>
-    <p:sldId id="264" r:id="rId7"/>
-    <p:sldId id="265" r:id="rId8"/>
-    <p:sldId id="270" r:id="rId9"/>
-    <p:sldId id="267" r:id="rId10"/>
+    <p:sldId id="271" r:id="rId5"/>
+    <p:sldId id="262" r:id="rId6"/>
+    <p:sldId id="263" r:id="rId7"/>
+    <p:sldId id="264" r:id="rId8"/>
+    <p:sldId id="265" r:id="rId9"/>
+    <p:sldId id="270" r:id="rId10"/>
+    <p:sldId id="267" r:id="rId11"/>
   </p:sldIdLst>
   <p:sldSz cx="12192000" cy="6858000"/>
   <p:notesSz cx="6858000" cy="9144000"/>
@@ -213,7 +214,7 @@
             <a:pPr rtl="0"/>
             <a:fld id="{227A3769-973A-471F-AE95-803ACD9DB45A}" type="datetime1">
               <a:rPr lang="it-IT" smtClean="0"/>
-              <a:t>14/11/21</a:t>
+              <a:t>16/11/2021</a:t>
             </a:fld>
             <a:endParaRPr lang="en-US"/>
           </a:p>
@@ -383,7 +384,7 @@
             <a:pPr rtl="0"/>
             <a:fld id="{F8B562AB-E890-432E-8086-3C35B5B6BC74}" type="datetime1">
               <a:rPr lang="it-IT" smtClean="0"/>
-              <a:t>14/11/21</a:t>
+              <a:t>16/11/2021</a:t>
             </a:fld>
             <a:endParaRPr lang="en-US"/>
           </a:p>
@@ -1128,7 +1129,7 @@
             <a:pPr rtl="0"/>
             <a:fld id="{46B2AB89-642D-461B-88E3-BE7E49276E6D}" type="datetime1">
               <a:rPr lang="it-IT" smtClean="0"/>
-              <a:t>14/11/21</a:t>
+              <a:t>16/11/2021</a:t>
             </a:fld>
             <a:endParaRPr lang="en-US"/>
           </a:p>
@@ -1334,7 +1335,7 @@
             <a:pPr rtl="0"/>
             <a:fld id="{FB6DF1C0-0F0C-4064-ABD6-C9C1782C86AE}" type="datetime1">
               <a:rPr lang="it-IT" smtClean="0"/>
-              <a:t>14/11/21</a:t>
+              <a:t>16/11/2021</a:t>
             </a:fld>
             <a:endParaRPr lang="en-US"/>
           </a:p>
@@ -1518,7 +1519,7 @@
             <a:pPr rtl="0"/>
             <a:fld id="{CD3A0FBA-A5A6-4E7F-AECA-E819E1A4206B}" type="datetime1">
               <a:rPr lang="it-IT" smtClean="0"/>
-              <a:t>14/11/21</a:t>
+              <a:t>16/11/2021</a:t>
             </a:fld>
             <a:endParaRPr lang="en-US"/>
           </a:p>
@@ -1692,7 +1693,7 @@
             <a:pPr rtl="0"/>
             <a:fld id="{85E0D28E-6F2F-4715-A424-3B01AC64AD4B}" type="datetime1">
               <a:rPr lang="it-IT" smtClean="0"/>
-              <a:t>14/11/21</a:t>
+              <a:t>16/11/2021</a:t>
             </a:fld>
             <a:endParaRPr lang="en-US"/>
           </a:p>
@@ -2295,7 +2296,7 @@
             <a:pPr rtl="0"/>
             <a:fld id="{F953424F-4FD0-4DEA-A244-2F5A83926123}" type="datetime1">
               <a:rPr lang="it-IT" smtClean="0"/>
-              <a:t>14/11/21</a:t>
+              <a:t>16/11/2021</a:t>
             </a:fld>
             <a:endParaRPr lang="en-US"/>
           </a:p>
@@ -2619,7 +2620,7 @@
             <a:pPr rtl="0"/>
             <a:fld id="{ED487A35-6EB2-4106-87BE-5998F37E93E7}" type="datetime1">
               <a:rPr lang="it-IT" smtClean="0"/>
-              <a:t>14/11/21</a:t>
+              <a:t>16/11/2021</a:t>
             </a:fld>
             <a:endParaRPr lang="en-US"/>
           </a:p>
@@ -3060,7 +3061,7 @@
             <a:pPr rtl="0"/>
             <a:fld id="{6D0A2449-0E6F-4EC8-9AF5-127FFF9E4F17}" type="datetime1">
               <a:rPr lang="it-IT" smtClean="0"/>
-              <a:t>14/11/21</a:t>
+              <a:t>16/11/2021</a:t>
             </a:fld>
             <a:endParaRPr lang="en-US"/>
           </a:p>
@@ -3182,7 +3183,7 @@
             <a:pPr rtl="0"/>
             <a:fld id="{43ECC08F-3232-4266-A826-505EFF618F02}" type="datetime1">
               <a:rPr lang="it-IT" smtClean="0"/>
-              <a:t>14/11/21</a:t>
+              <a:t>16/11/2021</a:t>
             </a:fld>
             <a:endParaRPr lang="en-US"/>
           </a:p>
@@ -3280,7 +3281,7 @@
             <a:pPr rtl="0"/>
             <a:fld id="{6CC19903-FCE7-40DD-9ABE-472E27EE3DF9}" type="datetime1">
               <a:rPr lang="it-IT" smtClean="0"/>
-              <a:t>14/11/21</a:t>
+              <a:t>16/11/2021</a:t>
             </a:fld>
             <a:endParaRPr lang="en-US"/>
           </a:p>
@@ -3701,7 +3702,7 @@
             <a:pPr rtl="0"/>
             <a:fld id="{24F848B3-DD0C-4C86-9703-1DC7B521FCF8}" type="datetime1">
               <a:rPr lang="it-IT" smtClean="0"/>
-              <a:t>14/11/21</a:t>
+              <a:t>16/11/2021</a:t>
             </a:fld>
             <a:endParaRPr lang="en-US"/>
           </a:p>
@@ -3966,7 +3967,7 @@
             <a:pPr rtl="0"/>
             <a:fld id="{711CFEF3-F103-4E31-9572-24F0BC84FDFF}" type="datetime1">
               <a:rPr lang="it-IT" smtClean="0"/>
-              <a:t>14/11/21</a:t>
+              <a:t>16/11/2021</a:t>
             </a:fld>
             <a:endParaRPr lang="en-US"/>
           </a:p>
@@ -4486,7 +4487,7 @@
             <a:pPr rtl="0"/>
             <a:fld id="{8A8228F9-9C50-4094-9999-09A1682E91E0}" type="datetime1">
               <a:rPr lang="it-IT" smtClean="0"/>
-              <a:t>14/11/21</a:t>
+              <a:t>16/11/2021</a:t>
             </a:fld>
             <a:endParaRPr lang="en-US"/>
           </a:p>
@@ -5113,7 +5114,7 @@
         </p:spPr>
         <p:txBody>
           <a:bodyPr rtlCol="0">
-            <a:normAutofit fontScale="90000"/>
+            <a:normAutofit/>
           </a:bodyPr>
           <a:lstStyle/>
           <a:p>
@@ -5124,9 +5125,9 @@
                   <a:schemeClr val="tx1"/>
                 </a:solidFill>
               </a:rPr>
-              <a:t>SOCIAL PURCHASE GROUP</a:t>
-            </a:r>
-            <a:endParaRPr lang="it" sz="4400">
+              <a:t>SPG – SPRINT 1</a:t>
+            </a:r>
+            <a:endParaRPr lang="it" sz="4400" dirty="0">
               <a:solidFill>
                 <a:schemeClr val="tx1"/>
               </a:solidFill>
@@ -5187,6 +5188,164 @@
   </p:cSld>
   <p:clrMapOvr>
     <a:overrideClrMapping bg1="dk1" tx1="lt1" bg2="dk2" tx2="lt2" accent1="accent1" accent2="accent2" accent3="accent3" accent4="accent4" accent5="accent5" accent6="accent6" hlink="hlink" folHlink="folHlink"/>
+  </p:clrMapOvr>
+</p:sld>
+</file>
+
+<file path=ppt/slides/slide10.xml><?xml version="1.0" encoding="utf-8"?>
+<p:sld xmlns:a="http://schemas.openxmlformats.org/drawingml/2006/main" xmlns:r="http://schemas.openxmlformats.org/officeDocument/2006/relationships" xmlns:p="http://schemas.openxmlformats.org/presentationml/2006/main">
+  <p:cSld>
+    <p:spTree>
+      <p:nvGrpSpPr>
+        <p:cNvPr id="1" name=""/>
+        <p:cNvGrpSpPr/>
+        <p:nvPr/>
+      </p:nvGrpSpPr>
+      <p:grpSpPr>
+        <a:xfrm>
+          <a:off x="0" y="0"/>
+          <a:ext cx="0" cy="0"/>
+          <a:chOff x="0" y="0"/>
+          <a:chExt cx="0" cy="0"/>
+        </a:xfrm>
+      </p:grpSpPr>
+      <p:sp>
+        <p:nvSpPr>
+          <p:cNvPr id="3" name="Segnaposto contenuto 2">
+            <a:extLst>
+              <a:ext uri="{FF2B5EF4-FFF2-40B4-BE49-F238E27FC236}">
+                <a16:creationId xmlns:a16="http://schemas.microsoft.com/office/drawing/2014/main" id="{92D25D5D-F954-4C24-93D4-4F19870F73BC}"/>
+              </a:ext>
+            </a:extLst>
+          </p:cNvPr>
+          <p:cNvSpPr>
+            <a:spLocks noGrp="1"/>
+          </p:cNvSpPr>
+          <p:nvPr>
+            <p:ph idx="1"/>
+          </p:nvPr>
+        </p:nvSpPr>
+        <p:spPr>
+          <a:xfrm>
+            <a:off x="1066800" y="2172923"/>
+            <a:ext cx="10058400" cy="3108585"/>
+          </a:xfrm>
+        </p:spPr>
+        <p:txBody>
+          <a:bodyPr>
+            <a:normAutofit/>
+          </a:bodyPr>
+          <a:lstStyle/>
+          <a:p>
+            <a:pPr marL="0" indent="0" algn="ctr">
+              <a:buNone/>
+            </a:pPr>
+            <a:r>
+              <a:rPr lang="en-US" sz="3600"/>
+              <a:t>THANK YOU FOR YOUR ATTENTION!</a:t>
+            </a:r>
+          </a:p>
+          <a:p>
+            <a:pPr marL="0" indent="0" algn="ctr">
+              <a:buNone/>
+            </a:pPr>
+            <a:endParaRPr lang="en-US" sz="3600"/>
+          </a:p>
+          <a:p>
+            <a:pPr marL="0" indent="0" algn="ctr">
+              <a:buNone/>
+            </a:pPr>
+            <a:r>
+              <a:rPr lang="en-US" sz="3600"/>
+              <a:t>ANY QUESTIONS?</a:t>
+            </a:r>
+            <a:endParaRPr lang="it-IT" sz="3600"/>
+          </a:p>
+        </p:txBody>
+      </p:sp>
+      <p:pic>
+        <p:nvPicPr>
+          <p:cNvPr id="5" name="Elemento grafico 4" descr="Martello con riempimento a tinta unita">
+            <a:extLst>
+              <a:ext uri="{FF2B5EF4-FFF2-40B4-BE49-F238E27FC236}">
+                <a16:creationId xmlns:a16="http://schemas.microsoft.com/office/drawing/2014/main" id="{52D92989-DC25-496E-9B8D-9F113EF42E1D}"/>
+              </a:ext>
+            </a:extLst>
+          </p:cNvPr>
+          <p:cNvPicPr>
+            <a:picLocks noChangeAspect="1"/>
+          </p:cNvPicPr>
+          <p:nvPr/>
+        </p:nvPicPr>
+        <p:blipFill>
+          <a:blip r:embed="rId2">
+            <a:extLst>
+              <a:ext uri="{28A0092B-C50C-407E-A947-70E740481C1C}">
+                <a14:useLocalDpi xmlns:a14="http://schemas.microsoft.com/office/drawing/2010/main" val="0"/>
+              </a:ext>
+              <a:ext uri="{96DAC541-7B7A-43D3-8B79-37D633B846F1}">
+                <asvg:svgBlip xmlns:asvg="http://schemas.microsoft.com/office/drawing/2016/SVG/main" r:embed="rId3"/>
+              </a:ext>
+            </a:extLst>
+          </a:blip>
+          <a:srcRect/>
+          <a:stretch/>
+        </p:blipFill>
+        <p:spPr>
+          <a:xfrm>
+            <a:off x="10450569" y="5387992"/>
+            <a:ext cx="674631" cy="674631"/>
+          </a:xfrm>
+          <a:prstGeom prst="rect">
+            <a:avLst/>
+          </a:prstGeom>
+        </p:spPr>
+      </p:pic>
+      <p:sp>
+        <p:nvSpPr>
+          <p:cNvPr id="6" name="CasellaDiTesto 5">
+            <a:extLst>
+              <a:ext uri="{FF2B5EF4-FFF2-40B4-BE49-F238E27FC236}">
+                <a16:creationId xmlns:a16="http://schemas.microsoft.com/office/drawing/2014/main" id="{0F8A4153-E0C1-40E4-907C-75E17399478D}"/>
+              </a:ext>
+            </a:extLst>
+          </p:cNvPr>
+          <p:cNvSpPr txBox="1"/>
+          <p:nvPr/>
+        </p:nvSpPr>
+        <p:spPr>
+          <a:xfrm>
+            <a:off x="8401557" y="5494474"/>
+            <a:ext cx="2409672" cy="461665"/>
+          </a:xfrm>
+          <a:prstGeom prst="rect">
+            <a:avLst/>
+          </a:prstGeom>
+          <a:noFill/>
+        </p:spPr>
+        <p:txBody>
+          <a:bodyPr wrap="square" rtlCol="0">
+            <a:spAutoFit/>
+          </a:bodyPr>
+          <a:lstStyle/>
+          <a:p>
+            <a:r>
+              <a:rPr lang="en-US" sz="2400"/>
+              <a:t>IN PROGRESS</a:t>
+            </a:r>
+            <a:endParaRPr lang="it-IT"/>
+          </a:p>
+        </p:txBody>
+      </p:sp>
+    </p:spTree>
+    <p:extLst>
+      <p:ext uri="{BB962C8B-B14F-4D97-AF65-F5344CB8AC3E}">
+        <p14:creationId xmlns:p14="http://schemas.microsoft.com/office/powerpoint/2010/main" val="1746044027"/>
+      </p:ext>
+    </p:extLst>
+  </p:cSld>
+  <p:clrMapOvr>
+    <a:masterClrMapping/>
   </p:clrMapOvr>
 </p:sld>
 </file>
@@ -5255,7 +5414,7 @@
         </p:nvSpPr>
         <p:spPr>
           <a:xfrm>
-            <a:off x="1066800" y="2014194"/>
+            <a:off x="1066800" y="1852122"/>
             <a:ext cx="10058400" cy="3849624"/>
           </a:xfrm>
         </p:spPr>
@@ -5284,7 +5443,7 @@
             <a:endParaRPr lang="en-GB" sz="2800" dirty="0"/>
           </a:p>
           <a:p>
-            <a:pPr marL="0" indent="0">
+            <a:pPr marL="0" indent="0" algn="just">
               <a:buNone/>
             </a:pPr>
             <a:r>
@@ -5465,16 +5624,16 @@
               <a:buNone/>
             </a:pPr>
             <a:r>
-              <a:rPr lang="en-GB" sz="2500" dirty="0"/>
+              <a:rPr lang="en-GB" sz="2800" dirty="0"/>
               <a:t>Route: “/employee/clients/”</a:t>
             </a:r>
           </a:p>
           <a:p>
-            <a:pPr marL="0" indent="0">
+            <a:pPr marL="0" indent="0" algn="just">
               <a:buNone/>
             </a:pPr>
             <a:r>
-              <a:rPr lang="en-GB" sz="2500" dirty="0"/>
+              <a:rPr lang="en-GB" sz="2800" dirty="0"/>
               <a:t>All registered clients are displayed to the employee. This feature was not required by any story of the sprint but we implemented in order to follow our system design</a:t>
             </a:r>
           </a:p>
@@ -5633,7 +5792,7 @@
           <p:cNvPr id="2" name="Titolo 1">
             <a:extLst>
               <a:ext uri="{FF2B5EF4-FFF2-40B4-BE49-F238E27FC236}">
-                <a16:creationId xmlns:a16="http://schemas.microsoft.com/office/drawing/2014/main" id="{F8934C2C-EC44-4007-8EE6-1BB8BAE9BF97}"/>
+                <a16:creationId xmlns:a16="http://schemas.microsoft.com/office/drawing/2014/main" id="{CA35540C-41F5-4B44-9F1B-A61164E56E86}"/>
               </a:ext>
             </a:extLst>
           </p:cNvPr>
@@ -5652,56 +5811,17 @@
             <a:pPr algn="ctr"/>
             <a:r>
               <a:rPr lang="en-GB" dirty="0"/>
-              <a:t>STORY 1</a:t>
-            </a:r>
-          </a:p>
-        </p:txBody>
-      </p:sp>
-      <p:sp>
-        <p:nvSpPr>
-          <p:cNvPr id="3" name="Segnaposto contenuto 2">
+              <a:t>HORIZONTAL TASK</a:t>
+            </a:r>
+          </a:p>
+        </p:txBody>
+      </p:sp>
+      <p:pic>
+        <p:nvPicPr>
+          <p:cNvPr id="4" name="Elemento grafico 3" descr="Badge Segno di spunta con riempimento a tinta unita">
             <a:extLst>
               <a:ext uri="{FF2B5EF4-FFF2-40B4-BE49-F238E27FC236}">
-                <a16:creationId xmlns:a16="http://schemas.microsoft.com/office/drawing/2014/main" id="{266FFDBF-21EC-4A78-8395-2DAF922CC875}"/>
-              </a:ext>
-            </a:extLst>
-          </p:cNvPr>
-          <p:cNvSpPr>
-            <a:spLocks noGrp="1"/>
-          </p:cNvSpPr>
-          <p:nvPr>
-            <p:ph idx="1"/>
-          </p:nvPr>
-        </p:nvSpPr>
-        <p:spPr>
-          <a:xfrm>
-            <a:off x="1026799" y="3209911"/>
-            <a:ext cx="10058400" cy="3849624"/>
-          </a:xfrm>
-        </p:spPr>
-        <p:txBody>
-          <a:bodyPr>
-            <a:normAutofit/>
-          </a:bodyPr>
-          <a:lstStyle/>
-          <a:p>
-            <a:pPr marL="0" indent="0">
-              <a:buNone/>
-            </a:pPr>
-            <a:r>
-              <a:rPr lang="en-US" sz="2800" dirty="0"/>
-              <a:t>The employee can create an order for an unregistered user. The selected products (see story 3) can be added to the website cart in order to reserve the products. The request is confirmed after the employee press a button.</a:t>
-            </a:r>
-            <a:endParaRPr lang="en-GB" sz="2800" dirty="0"/>
-          </a:p>
-        </p:txBody>
-      </p:sp>
-      <p:pic>
-        <p:nvPicPr>
-          <p:cNvPr id="5" name="Elemento grafico 4" descr="Badge Segno di spunta con riempimento a tinta unita">
-            <a:extLst>
-              <a:ext uri="{FF2B5EF4-FFF2-40B4-BE49-F238E27FC236}">
-                <a16:creationId xmlns:a16="http://schemas.microsoft.com/office/drawing/2014/main" id="{A188CE10-DDD9-4384-AC98-ADA56B3CBEC3}"/>
+                <a16:creationId xmlns:a16="http://schemas.microsoft.com/office/drawing/2014/main" id="{4BFA8E7A-FE5E-4B54-9D8C-AD056738F576}"/>
               </a:ext>
             </a:extLst>
           </p:cNvPr>
@@ -5736,10 +5856,10 @@
       </p:pic>
       <p:sp>
         <p:nvSpPr>
-          <p:cNvPr id="6" name="CasellaDiTesto 5">
+          <p:cNvPr id="5" name="CasellaDiTesto 4">
             <a:extLst>
               <a:ext uri="{FF2B5EF4-FFF2-40B4-BE49-F238E27FC236}">
-                <a16:creationId xmlns:a16="http://schemas.microsoft.com/office/drawing/2014/main" id="{767D3729-5081-46FE-9C0C-5539E11BBA3B}"/>
+                <a16:creationId xmlns:a16="http://schemas.microsoft.com/office/drawing/2014/main" id="{C34DC8A9-84A2-44F9-A0B6-803524F18B0C}"/>
               </a:ext>
             </a:extLst>
           </p:cNvPr>
@@ -5772,10 +5892,10 @@
       </p:sp>
       <p:sp>
         <p:nvSpPr>
-          <p:cNvPr id="4" name="CasellaDiTesto 3">
+          <p:cNvPr id="6" name="CasellaDiTesto 5">
             <a:extLst>
               <a:ext uri="{FF2B5EF4-FFF2-40B4-BE49-F238E27FC236}">
-                <a16:creationId xmlns:a16="http://schemas.microsoft.com/office/drawing/2014/main" id="{AF3A7F17-A0A5-D544-83A1-51B0BD1EEB0A}"/>
+                <a16:creationId xmlns:a16="http://schemas.microsoft.com/office/drawing/2014/main" id="{C7F7D057-4E28-2B4F-BE34-71985D9F7C42}"/>
               </a:ext>
             </a:extLst>
           </p:cNvPr>
@@ -5784,8 +5904,8 @@
         </p:nvSpPr>
         <p:spPr>
           <a:xfrm>
-            <a:off x="1002505" y="1764362"/>
-            <a:ext cx="10186989" cy="1354217"/>
+            <a:off x="365342" y="1799824"/>
+            <a:ext cx="11461315" cy="861774"/>
           </a:xfrm>
           <a:prstGeom prst="rect">
             <a:avLst/>
@@ -5800,12 +5920,12 @@
           <a:p>
             <a:pPr algn="ctr"/>
             <a:r>
-              <a:rPr lang="it-IT" sz="3200" dirty="0">
+              <a:rPr lang="en-GB" sz="3200" dirty="0">
                 <a:solidFill>
                   <a:srgbClr val="0070C0"/>
                 </a:solidFill>
               </a:rPr>
-              <a:t>As a shop employee, I want to enter product requests for a client so her products are booked</a:t>
+              <a:t>Interface and API to display orders of a single user</a:t>
             </a:r>
           </a:p>
           <a:p>
@@ -5814,961 +5934,12 @@
           </a:p>
         </p:txBody>
       </p:sp>
-    </p:spTree>
-    <p:extLst>
-      <p:ext uri="{BB962C8B-B14F-4D97-AF65-F5344CB8AC3E}">
-        <p14:creationId xmlns:p14="http://schemas.microsoft.com/office/powerpoint/2010/main" val="987530533"/>
-      </p:ext>
-    </p:extLst>
-  </p:cSld>
-  <p:clrMapOvr>
-    <a:masterClrMapping/>
-  </p:clrMapOvr>
-</p:sld>
-</file>
-
-<file path=ppt/slides/slide5.xml><?xml version="1.0" encoding="utf-8"?>
-<p:sld xmlns:a="http://schemas.openxmlformats.org/drawingml/2006/main" xmlns:r="http://schemas.openxmlformats.org/officeDocument/2006/relationships" xmlns:p="http://schemas.openxmlformats.org/presentationml/2006/main">
-  <p:cSld>
-    <p:spTree>
-      <p:nvGrpSpPr>
-        <p:cNvPr id="1" name=""/>
-        <p:cNvGrpSpPr/>
-        <p:nvPr/>
-      </p:nvGrpSpPr>
-      <p:grpSpPr>
-        <a:xfrm>
-          <a:off x="0" y="0"/>
-          <a:ext cx="0" cy="0"/>
-          <a:chOff x="0" y="0"/>
-          <a:chExt cx="0" cy="0"/>
-        </a:xfrm>
-      </p:grpSpPr>
-      <p:sp>
-        <p:nvSpPr>
-          <p:cNvPr id="2" name="Titolo 1">
+      <p:sp>
+        <p:nvSpPr>
+          <p:cNvPr id="9" name="Segnaposto contenuto 2">
             <a:extLst>
               <a:ext uri="{FF2B5EF4-FFF2-40B4-BE49-F238E27FC236}">
-                <a16:creationId xmlns:a16="http://schemas.microsoft.com/office/drawing/2014/main" id="{CD405231-0E1C-43FC-B953-162B5EA5A920}"/>
-              </a:ext>
-            </a:extLst>
-          </p:cNvPr>
-          <p:cNvSpPr>
-            <a:spLocks noGrp="1"/>
-          </p:cNvSpPr>
-          <p:nvPr>
-            <p:ph type="title"/>
-          </p:nvPr>
-        </p:nvSpPr>
-        <p:spPr/>
-        <p:txBody>
-          <a:bodyPr/>
-          <a:lstStyle/>
-          <a:p>
-            <a:pPr algn="ctr"/>
-            <a:r>
-              <a:rPr lang="en-GB" dirty="0"/>
-              <a:t>STORY 2</a:t>
-            </a:r>
-          </a:p>
-        </p:txBody>
-      </p:sp>
-      <p:sp>
-        <p:nvSpPr>
-          <p:cNvPr id="3" name="Segnaposto contenuto 2">
-            <a:extLst>
-              <a:ext uri="{FF2B5EF4-FFF2-40B4-BE49-F238E27FC236}">
-                <a16:creationId xmlns:a16="http://schemas.microsoft.com/office/drawing/2014/main" id="{36488C43-FB08-48C0-B79E-84A5B94766AF}"/>
-              </a:ext>
-            </a:extLst>
-          </p:cNvPr>
-          <p:cNvSpPr>
-            <a:spLocks noGrp="1"/>
-          </p:cNvSpPr>
-          <p:nvPr>
-            <p:ph idx="1"/>
-          </p:nvPr>
-        </p:nvSpPr>
-        <p:spPr>
-          <a:xfrm>
-            <a:off x="1066800" y="2918995"/>
-            <a:ext cx="10058400" cy="3849624"/>
-          </a:xfrm>
-        </p:spPr>
-        <p:txBody>
-          <a:bodyPr>
-            <a:normAutofit/>
-          </a:bodyPr>
-          <a:lstStyle/>
-          <a:p>
-            <a:pPr marL="0" indent="0">
-              <a:buNone/>
-            </a:pPr>
-            <a:r>
-              <a:rPr lang="en-US" sz="2800" dirty="0"/>
-              <a:t>Route “/employee/form”</a:t>
-            </a:r>
-          </a:p>
-          <a:p>
-            <a:pPr marL="0" indent="0">
-              <a:buNone/>
-            </a:pPr>
-            <a:r>
-              <a:rPr lang="en-US" sz="2800" dirty="0"/>
-              <a:t>A form is displayed to allow the employee to register a new client. Name, surname, email and password are required in order to successfully register the customer. </a:t>
-            </a:r>
-          </a:p>
-        </p:txBody>
-      </p:sp>
-      <p:pic>
-        <p:nvPicPr>
-          <p:cNvPr id="4" name="Elemento grafico 3" descr="Badge Segno di spunta con riempimento a tinta unita">
-            <a:extLst>
-              <a:ext uri="{FF2B5EF4-FFF2-40B4-BE49-F238E27FC236}">
-                <a16:creationId xmlns:a16="http://schemas.microsoft.com/office/drawing/2014/main" id="{DDC15659-21DC-43B2-A70C-ABA7C73B5B70}"/>
-              </a:ext>
-            </a:extLst>
-          </p:cNvPr>
-          <p:cNvPicPr>
-            <a:picLocks noChangeAspect="1"/>
-          </p:cNvPicPr>
-          <p:nvPr/>
-        </p:nvPicPr>
-        <p:blipFill>
-          <a:blip r:embed="rId2">
-            <a:extLst>
-              <a:ext uri="{28A0092B-C50C-407E-A947-70E740481C1C}">
-                <a14:useLocalDpi xmlns:a14="http://schemas.microsoft.com/office/drawing/2010/main" val="0"/>
-              </a:ext>
-              <a:ext uri="{96DAC541-7B7A-43D3-8B79-37D633B846F1}">
-                <asvg:svgBlip xmlns:asvg="http://schemas.microsoft.com/office/drawing/2016/SVG/main" r:embed="rId3"/>
-              </a:ext>
-            </a:extLst>
-          </a:blip>
-          <a:srcRect/>
-          <a:stretch/>
-        </p:blipFill>
-        <p:spPr>
-          <a:xfrm>
-            <a:off x="10346806" y="5357009"/>
-            <a:ext cx="818395" cy="818395"/>
-          </a:xfrm>
-          <a:prstGeom prst="rect">
-            <a:avLst/>
-          </a:prstGeom>
-        </p:spPr>
-      </p:pic>
-      <p:sp>
-        <p:nvSpPr>
-          <p:cNvPr id="5" name="CasellaDiTesto 4">
-            <a:extLst>
-              <a:ext uri="{FF2B5EF4-FFF2-40B4-BE49-F238E27FC236}">
-                <a16:creationId xmlns:a16="http://schemas.microsoft.com/office/drawing/2014/main" id="{24940603-F528-4C4E-9E03-0477E45B43E6}"/>
-              </a:ext>
-            </a:extLst>
-          </p:cNvPr>
-          <p:cNvSpPr txBox="1"/>
-          <p:nvPr/>
-        </p:nvSpPr>
-        <p:spPr>
-          <a:xfrm>
-            <a:off x="9395830" y="5539673"/>
-            <a:ext cx="1360174" cy="461665"/>
-          </a:xfrm>
-          <a:prstGeom prst="rect">
-            <a:avLst/>
-          </a:prstGeom>
-          <a:noFill/>
-        </p:spPr>
-        <p:txBody>
-          <a:bodyPr wrap="square" rtlCol="0">
-            <a:spAutoFit/>
-          </a:bodyPr>
-          <a:lstStyle/>
-          <a:p>
-            <a:r>
-              <a:rPr lang="en-US" sz="2400"/>
-              <a:t>DONE</a:t>
-            </a:r>
-            <a:endParaRPr lang="it-IT"/>
-          </a:p>
-        </p:txBody>
-      </p:sp>
-      <p:sp>
-        <p:nvSpPr>
-          <p:cNvPr id="6" name="CasellaDiTesto 5">
-            <a:extLst>
-              <a:ext uri="{FF2B5EF4-FFF2-40B4-BE49-F238E27FC236}">
-                <a16:creationId xmlns:a16="http://schemas.microsoft.com/office/drawing/2014/main" id="{C21C0E35-0D83-2840-B530-EA0AB0487DCF}"/>
-              </a:ext>
-            </a:extLst>
-          </p:cNvPr>
-          <p:cNvSpPr txBox="1"/>
-          <p:nvPr/>
-        </p:nvSpPr>
-        <p:spPr>
-          <a:xfrm>
-            <a:off x="1002505" y="1764362"/>
-            <a:ext cx="10186989" cy="1077218"/>
-          </a:xfrm>
-          <a:prstGeom prst="rect">
-            <a:avLst/>
-          </a:prstGeom>
-          <a:noFill/>
-        </p:spPr>
-        <p:txBody>
-          <a:bodyPr wrap="square" rtlCol="0">
-            <a:spAutoFit/>
-          </a:bodyPr>
-          <a:lstStyle/>
-          <a:p>
-            <a:pPr algn="ctr"/>
-            <a:r>
-              <a:rPr lang="it-IT" sz="3200" dirty="0">
-                <a:solidFill>
-                  <a:srgbClr val="0070C0"/>
-                </a:solidFill>
-              </a:rPr>
-              <a:t>As a shop employee, I want to enter new client data, so </a:t>
-            </a:r>
-            <a:r>
-              <a:rPr lang="it-IT" sz="3200" dirty="0" err="1">
-                <a:solidFill>
-                  <a:srgbClr val="0070C0"/>
-                </a:solidFill>
-              </a:rPr>
-              <a:t>that</a:t>
-            </a:r>
-            <a:r>
-              <a:rPr lang="it-IT" sz="3200" dirty="0">
-                <a:solidFill>
-                  <a:srgbClr val="0070C0"/>
-                </a:solidFill>
-              </a:rPr>
-              <a:t> </a:t>
-            </a:r>
-            <a:r>
-              <a:rPr lang="it-IT" sz="3200" dirty="0" err="1">
-                <a:solidFill>
-                  <a:srgbClr val="0070C0"/>
-                </a:solidFill>
-              </a:rPr>
-              <a:t>she</a:t>
-            </a:r>
-            <a:r>
-              <a:rPr lang="it-IT" sz="3200" dirty="0">
-                <a:solidFill>
-                  <a:srgbClr val="0070C0"/>
-                </a:solidFill>
-              </a:rPr>
-              <a:t> </a:t>
-            </a:r>
-            <a:r>
-              <a:rPr lang="it-IT" sz="3200" dirty="0" err="1">
-                <a:solidFill>
-                  <a:srgbClr val="0070C0"/>
-                </a:solidFill>
-              </a:rPr>
-              <a:t>is</a:t>
-            </a:r>
-            <a:r>
-              <a:rPr lang="it-IT" sz="3200" dirty="0">
-                <a:solidFill>
-                  <a:srgbClr val="0070C0"/>
-                </a:solidFill>
-              </a:rPr>
-              <a:t> </a:t>
-            </a:r>
-            <a:r>
-              <a:rPr lang="it-IT" sz="3200" dirty="0" err="1">
-                <a:solidFill>
-                  <a:srgbClr val="0070C0"/>
-                </a:solidFill>
-              </a:rPr>
-              <a:t>registered</a:t>
-            </a:r>
-            <a:r>
-              <a:rPr lang="it-IT" sz="3200" dirty="0">
-                <a:solidFill>
-                  <a:srgbClr val="0070C0"/>
-                </a:solidFill>
-              </a:rPr>
-              <a:t> in the </a:t>
-            </a:r>
-            <a:r>
-              <a:rPr lang="it-IT" sz="3200" dirty="0" err="1">
-                <a:solidFill>
-                  <a:srgbClr val="0070C0"/>
-                </a:solidFill>
-              </a:rPr>
-              <a:t>system</a:t>
-            </a:r>
-            <a:endParaRPr lang="it-IT" sz="3200" dirty="0">
-              <a:solidFill>
-                <a:srgbClr val="0070C0"/>
-              </a:solidFill>
-            </a:endParaRPr>
-          </a:p>
-        </p:txBody>
-      </p:sp>
-    </p:spTree>
-    <p:extLst>
-      <p:ext uri="{BB962C8B-B14F-4D97-AF65-F5344CB8AC3E}">
-        <p14:creationId xmlns:p14="http://schemas.microsoft.com/office/powerpoint/2010/main" val="2188463891"/>
-      </p:ext>
-    </p:extLst>
-  </p:cSld>
-  <p:clrMapOvr>
-    <a:masterClrMapping/>
-  </p:clrMapOvr>
-</p:sld>
-</file>
-
-<file path=ppt/slides/slide6.xml><?xml version="1.0" encoding="utf-8"?>
-<p:sld xmlns:a="http://schemas.openxmlformats.org/drawingml/2006/main" xmlns:r="http://schemas.openxmlformats.org/officeDocument/2006/relationships" xmlns:p="http://schemas.openxmlformats.org/presentationml/2006/main">
-  <p:cSld>
-    <p:spTree>
-      <p:nvGrpSpPr>
-        <p:cNvPr id="1" name=""/>
-        <p:cNvGrpSpPr/>
-        <p:nvPr/>
-      </p:nvGrpSpPr>
-      <p:grpSpPr>
-        <a:xfrm>
-          <a:off x="0" y="0"/>
-          <a:ext cx="0" cy="0"/>
-          <a:chOff x="0" y="0"/>
-          <a:chExt cx="0" cy="0"/>
-        </a:xfrm>
-      </p:grpSpPr>
-      <p:sp>
-        <p:nvSpPr>
-          <p:cNvPr id="2" name="Titolo 1">
-            <a:extLst>
-              <a:ext uri="{FF2B5EF4-FFF2-40B4-BE49-F238E27FC236}">
-                <a16:creationId xmlns:a16="http://schemas.microsoft.com/office/drawing/2014/main" id="{3E187D3A-F244-427E-BD20-F1A696026CF6}"/>
-              </a:ext>
-            </a:extLst>
-          </p:cNvPr>
-          <p:cNvSpPr>
-            <a:spLocks noGrp="1"/>
-          </p:cNvSpPr>
-          <p:nvPr>
-            <p:ph type="title"/>
-          </p:nvPr>
-        </p:nvSpPr>
-        <p:spPr/>
-        <p:txBody>
-          <a:bodyPr/>
-          <a:lstStyle/>
-          <a:p>
-            <a:pPr algn="ctr"/>
-            <a:r>
-              <a:rPr lang="en-GB" dirty="0"/>
-              <a:t>STORY 3</a:t>
-            </a:r>
-          </a:p>
-        </p:txBody>
-      </p:sp>
-      <p:sp>
-        <p:nvSpPr>
-          <p:cNvPr id="3" name="Segnaposto contenuto 2">
-            <a:extLst>
-              <a:ext uri="{FF2B5EF4-FFF2-40B4-BE49-F238E27FC236}">
-                <a16:creationId xmlns:a16="http://schemas.microsoft.com/office/drawing/2014/main" id="{2DB267BF-4548-4543-B1CA-B385394FD1FB}"/>
-              </a:ext>
-            </a:extLst>
-          </p:cNvPr>
-          <p:cNvSpPr>
-            <a:spLocks noGrp="1"/>
-          </p:cNvSpPr>
-          <p:nvPr>
-            <p:ph idx="1"/>
-          </p:nvPr>
-        </p:nvSpPr>
-        <p:spPr>
-          <a:xfrm>
-            <a:off x="886436" y="3384568"/>
-            <a:ext cx="10419127" cy="2155106"/>
-          </a:xfrm>
-        </p:spPr>
-        <p:txBody>
-          <a:bodyPr>
-            <a:noAutofit/>
-          </a:bodyPr>
-          <a:lstStyle/>
-          <a:p>
-            <a:pPr marL="0" indent="0">
-              <a:buNone/>
-            </a:pPr>
-            <a:r>
-              <a:rPr lang="en-US" sz="2800" dirty="0"/>
-              <a:t>Route “/employee/products”:</a:t>
-            </a:r>
-          </a:p>
-          <a:p>
-            <a:pPr marL="0" indent="0">
-              <a:buNone/>
-            </a:pPr>
-            <a:r>
-              <a:rPr lang="en-US" sz="2800" dirty="0"/>
-              <a:t>The list of available products is displayed and allows the employee to add a product to the cart (see story 1). </a:t>
-            </a:r>
-          </a:p>
-        </p:txBody>
-      </p:sp>
-      <p:pic>
-        <p:nvPicPr>
-          <p:cNvPr id="4" name="Elemento grafico 3" descr="Badge Segno di spunta con riempimento a tinta unita">
-            <a:extLst>
-              <a:ext uri="{FF2B5EF4-FFF2-40B4-BE49-F238E27FC236}">
-                <a16:creationId xmlns:a16="http://schemas.microsoft.com/office/drawing/2014/main" id="{1F646DF8-A6E2-470A-A99B-DA24ABE36394}"/>
-              </a:ext>
-            </a:extLst>
-          </p:cNvPr>
-          <p:cNvPicPr>
-            <a:picLocks noChangeAspect="1"/>
-          </p:cNvPicPr>
-          <p:nvPr/>
-        </p:nvPicPr>
-        <p:blipFill>
-          <a:blip r:embed="rId2">
-            <a:extLst>
-              <a:ext uri="{28A0092B-C50C-407E-A947-70E740481C1C}">
-                <a14:useLocalDpi xmlns:a14="http://schemas.microsoft.com/office/drawing/2010/main" val="0"/>
-              </a:ext>
-              <a:ext uri="{96DAC541-7B7A-43D3-8B79-37D633B846F1}">
-                <asvg:svgBlip xmlns:asvg="http://schemas.microsoft.com/office/drawing/2016/SVG/main" r:embed="rId3"/>
-              </a:ext>
-            </a:extLst>
-          </a:blip>
-          <a:srcRect/>
-          <a:stretch/>
-        </p:blipFill>
-        <p:spPr>
-          <a:xfrm>
-            <a:off x="10346806" y="5357009"/>
-            <a:ext cx="818395" cy="818395"/>
-          </a:xfrm>
-          <a:prstGeom prst="rect">
-            <a:avLst/>
-          </a:prstGeom>
-        </p:spPr>
-      </p:pic>
-      <p:sp>
-        <p:nvSpPr>
-          <p:cNvPr id="5" name="CasellaDiTesto 4">
-            <a:extLst>
-              <a:ext uri="{FF2B5EF4-FFF2-40B4-BE49-F238E27FC236}">
-                <a16:creationId xmlns:a16="http://schemas.microsoft.com/office/drawing/2014/main" id="{EFB698A0-0EB4-4C6D-87B6-D8E2BE0F9ABE}"/>
-              </a:ext>
-            </a:extLst>
-          </p:cNvPr>
-          <p:cNvSpPr txBox="1"/>
-          <p:nvPr/>
-        </p:nvSpPr>
-        <p:spPr>
-          <a:xfrm>
-            <a:off x="9395830" y="5539673"/>
-            <a:ext cx="1360174" cy="461665"/>
-          </a:xfrm>
-          <a:prstGeom prst="rect">
-            <a:avLst/>
-          </a:prstGeom>
-          <a:noFill/>
-        </p:spPr>
-        <p:txBody>
-          <a:bodyPr wrap="square" rtlCol="0">
-            <a:spAutoFit/>
-          </a:bodyPr>
-          <a:lstStyle/>
-          <a:p>
-            <a:r>
-              <a:rPr lang="en-US" sz="2400"/>
-              <a:t>DONE</a:t>
-            </a:r>
-            <a:endParaRPr lang="it-IT"/>
-          </a:p>
-        </p:txBody>
-      </p:sp>
-      <p:sp>
-        <p:nvSpPr>
-          <p:cNvPr id="7" name="CasellaDiTesto 6">
-            <a:extLst>
-              <a:ext uri="{FF2B5EF4-FFF2-40B4-BE49-F238E27FC236}">
-                <a16:creationId xmlns:a16="http://schemas.microsoft.com/office/drawing/2014/main" id="{0171E5E9-1D3B-2545-9BF7-28F6AC3142F8}"/>
-              </a:ext>
-            </a:extLst>
-          </p:cNvPr>
-          <p:cNvSpPr txBox="1"/>
-          <p:nvPr/>
-        </p:nvSpPr>
-        <p:spPr>
-          <a:xfrm>
-            <a:off x="886436" y="1792659"/>
-            <a:ext cx="10186989" cy="1569660"/>
-          </a:xfrm>
-          <a:prstGeom prst="rect">
-            <a:avLst/>
-          </a:prstGeom>
-          <a:noFill/>
-        </p:spPr>
-        <p:txBody>
-          <a:bodyPr wrap="square" rtlCol="0">
-            <a:spAutoFit/>
-          </a:bodyPr>
-          <a:lstStyle/>
-          <a:p>
-            <a:pPr algn="ctr"/>
-            <a:r>
-              <a:rPr lang="it-IT" sz="3200" dirty="0">
-                <a:solidFill>
-                  <a:srgbClr val="0070C0"/>
-                </a:solidFill>
-              </a:rPr>
-              <a:t>As a shop employee, I want to </a:t>
-            </a:r>
-            <a:r>
-              <a:rPr lang="it-IT" sz="3200" dirty="0" err="1">
-                <a:solidFill>
-                  <a:srgbClr val="0070C0"/>
-                </a:solidFill>
-              </a:rPr>
-              <a:t>browse</a:t>
-            </a:r>
-            <a:r>
-              <a:rPr lang="it-IT" sz="3200" dirty="0">
-                <a:solidFill>
-                  <a:srgbClr val="0070C0"/>
-                </a:solidFill>
-              </a:rPr>
-              <a:t> </a:t>
-            </a:r>
-            <a:r>
-              <a:rPr lang="it-IT" sz="3200" dirty="0" err="1">
-                <a:solidFill>
-                  <a:srgbClr val="0070C0"/>
-                </a:solidFill>
-              </a:rPr>
-              <a:t>available</a:t>
-            </a:r>
-            <a:r>
-              <a:rPr lang="it-IT" sz="3200" dirty="0">
-                <a:solidFill>
-                  <a:srgbClr val="0070C0"/>
-                </a:solidFill>
-              </a:rPr>
-              <a:t> products, so </a:t>
-            </a:r>
-            <a:r>
-              <a:rPr lang="it-IT" sz="3200" dirty="0" err="1">
-                <a:solidFill>
-                  <a:srgbClr val="0070C0"/>
-                </a:solidFill>
-              </a:rPr>
-              <a:t>that</a:t>
-            </a:r>
-            <a:r>
-              <a:rPr lang="it-IT" sz="3200" dirty="0">
-                <a:solidFill>
-                  <a:srgbClr val="0070C0"/>
-                </a:solidFill>
-              </a:rPr>
-              <a:t> I can show the clients </a:t>
-            </a:r>
-            <a:r>
-              <a:rPr lang="it-IT" sz="3200" dirty="0" err="1">
-                <a:solidFill>
-                  <a:srgbClr val="0070C0"/>
-                </a:solidFill>
-              </a:rPr>
-              <a:t>what</a:t>
-            </a:r>
-            <a:r>
-              <a:rPr lang="it-IT" sz="3200" dirty="0">
-                <a:solidFill>
-                  <a:srgbClr val="0070C0"/>
-                </a:solidFill>
-              </a:rPr>
-              <a:t> </a:t>
-            </a:r>
-            <a:r>
-              <a:rPr lang="it-IT" sz="3200" dirty="0" err="1">
-                <a:solidFill>
-                  <a:srgbClr val="0070C0"/>
-                </a:solidFill>
-              </a:rPr>
-              <a:t>is</a:t>
-            </a:r>
-            <a:r>
-              <a:rPr lang="it-IT" sz="3200" dirty="0">
-                <a:solidFill>
-                  <a:srgbClr val="0070C0"/>
-                </a:solidFill>
-              </a:rPr>
-              <a:t> </a:t>
-            </a:r>
-            <a:r>
-              <a:rPr lang="it-IT" sz="3200" dirty="0" err="1">
-                <a:solidFill>
-                  <a:srgbClr val="0070C0"/>
-                </a:solidFill>
-              </a:rPr>
-              <a:t>available</a:t>
-            </a:r>
-            <a:endParaRPr lang="it-IT" sz="3200" dirty="0">
-              <a:solidFill>
-                <a:srgbClr val="0070C0"/>
-              </a:solidFill>
-            </a:endParaRPr>
-          </a:p>
-        </p:txBody>
-      </p:sp>
-    </p:spTree>
-    <p:extLst>
-      <p:ext uri="{BB962C8B-B14F-4D97-AF65-F5344CB8AC3E}">
-        <p14:creationId xmlns:p14="http://schemas.microsoft.com/office/powerpoint/2010/main" val="2175217570"/>
-      </p:ext>
-    </p:extLst>
-  </p:cSld>
-  <p:clrMapOvr>
-    <a:masterClrMapping/>
-  </p:clrMapOvr>
-</p:sld>
-</file>
-
-<file path=ppt/slides/slide7.xml><?xml version="1.0" encoding="utf-8"?>
-<p:sld xmlns:a="http://schemas.openxmlformats.org/drawingml/2006/main" xmlns:r="http://schemas.openxmlformats.org/officeDocument/2006/relationships" xmlns:p="http://schemas.openxmlformats.org/presentationml/2006/main">
-  <p:cSld>
-    <p:spTree>
-      <p:nvGrpSpPr>
-        <p:cNvPr id="1" name=""/>
-        <p:cNvGrpSpPr/>
-        <p:nvPr/>
-      </p:nvGrpSpPr>
-      <p:grpSpPr>
-        <a:xfrm>
-          <a:off x="0" y="0"/>
-          <a:ext cx="0" cy="0"/>
-          <a:chOff x="0" y="0"/>
-          <a:chExt cx="0" cy="0"/>
-        </a:xfrm>
-      </p:grpSpPr>
-      <p:sp>
-        <p:nvSpPr>
-          <p:cNvPr id="2" name="Titolo 1">
-            <a:extLst>
-              <a:ext uri="{FF2B5EF4-FFF2-40B4-BE49-F238E27FC236}">
-                <a16:creationId xmlns:a16="http://schemas.microsoft.com/office/drawing/2014/main" id="{4F938788-45E5-4D74-B776-53FC12E61C88}"/>
-              </a:ext>
-            </a:extLst>
-          </p:cNvPr>
-          <p:cNvSpPr>
-            <a:spLocks noGrp="1"/>
-          </p:cNvSpPr>
-          <p:nvPr>
-            <p:ph type="title"/>
-          </p:nvPr>
-        </p:nvSpPr>
-        <p:spPr/>
-        <p:txBody>
-          <a:bodyPr/>
-          <a:lstStyle/>
-          <a:p>
-            <a:pPr algn="ctr"/>
-            <a:r>
-              <a:rPr lang="en-GB" dirty="0"/>
-              <a:t>STORY 4</a:t>
-            </a:r>
-          </a:p>
-        </p:txBody>
-      </p:sp>
-      <p:sp>
-        <p:nvSpPr>
-          <p:cNvPr id="3" name="Segnaposto contenuto 2">
-            <a:extLst>
-              <a:ext uri="{FF2B5EF4-FFF2-40B4-BE49-F238E27FC236}">
-                <a16:creationId xmlns:a16="http://schemas.microsoft.com/office/drawing/2014/main" id="{C0F64ED1-7F27-40D8-9BD9-5C49ADEEFA34}"/>
-              </a:ext>
-            </a:extLst>
-          </p:cNvPr>
-          <p:cNvSpPr>
-            <a:spLocks noGrp="1"/>
-          </p:cNvSpPr>
-          <p:nvPr>
-            <p:ph idx="1"/>
-          </p:nvPr>
-        </p:nvSpPr>
-        <p:spPr/>
-        <p:txBody>
-          <a:bodyPr/>
-          <a:lstStyle/>
-          <a:p>
-            <a:pPr marL="0" indent="0" algn="ctr">
-              <a:buNone/>
-            </a:pPr>
-            <a:r>
-              <a:rPr lang="en-US" sz="3200" dirty="0"/>
-              <a:t>As a manager I want to manage a service for a counter</a:t>
-            </a:r>
-          </a:p>
-        </p:txBody>
-      </p:sp>
-      <p:pic>
-        <p:nvPicPr>
-          <p:cNvPr id="4" name="Elemento grafico 3" descr="Badge Segno di spunta con riempimento a tinta unita">
-            <a:extLst>
-              <a:ext uri="{FF2B5EF4-FFF2-40B4-BE49-F238E27FC236}">
-                <a16:creationId xmlns:a16="http://schemas.microsoft.com/office/drawing/2014/main" id="{E9F4F6B7-C233-41C4-8174-AC184FB10F5B}"/>
-              </a:ext>
-            </a:extLst>
-          </p:cNvPr>
-          <p:cNvPicPr>
-            <a:picLocks noChangeAspect="1"/>
-          </p:cNvPicPr>
-          <p:nvPr/>
-        </p:nvPicPr>
-        <p:blipFill>
-          <a:blip r:embed="rId2">
-            <a:extLst>
-              <a:ext uri="{28A0092B-C50C-407E-A947-70E740481C1C}">
-                <a14:useLocalDpi xmlns:a14="http://schemas.microsoft.com/office/drawing/2010/main" val="0"/>
-              </a:ext>
-              <a:ext uri="{96DAC541-7B7A-43D3-8B79-37D633B846F1}">
-                <asvg:svgBlip xmlns:asvg="http://schemas.microsoft.com/office/drawing/2016/SVG/main" r:embed="rId3"/>
-              </a:ext>
-            </a:extLst>
-          </a:blip>
-          <a:srcRect/>
-          <a:stretch/>
-        </p:blipFill>
-        <p:spPr>
-          <a:xfrm>
-            <a:off x="10346806" y="5357009"/>
-            <a:ext cx="818395" cy="818395"/>
-          </a:xfrm>
-          <a:prstGeom prst="rect">
-            <a:avLst/>
-          </a:prstGeom>
-        </p:spPr>
-      </p:pic>
-      <p:sp>
-        <p:nvSpPr>
-          <p:cNvPr id="5" name="CasellaDiTesto 4">
-            <a:extLst>
-              <a:ext uri="{FF2B5EF4-FFF2-40B4-BE49-F238E27FC236}">
-                <a16:creationId xmlns:a16="http://schemas.microsoft.com/office/drawing/2014/main" id="{BA262492-DA87-4DBC-AC54-B82135F8E085}"/>
-              </a:ext>
-            </a:extLst>
-          </p:cNvPr>
-          <p:cNvSpPr txBox="1"/>
-          <p:nvPr/>
-        </p:nvSpPr>
-        <p:spPr>
-          <a:xfrm>
-            <a:off x="9395830" y="5539673"/>
-            <a:ext cx="1360174" cy="461665"/>
-          </a:xfrm>
-          <a:prstGeom prst="rect">
-            <a:avLst/>
-          </a:prstGeom>
-          <a:noFill/>
-        </p:spPr>
-        <p:txBody>
-          <a:bodyPr wrap="square" rtlCol="0">
-            <a:spAutoFit/>
-          </a:bodyPr>
-          <a:lstStyle/>
-          <a:p>
-            <a:r>
-              <a:rPr lang="en-US" sz="2400"/>
-              <a:t>DONE</a:t>
-            </a:r>
-            <a:endParaRPr lang="it-IT"/>
-          </a:p>
-        </p:txBody>
-      </p:sp>
-    </p:spTree>
-    <p:extLst>
-      <p:ext uri="{BB962C8B-B14F-4D97-AF65-F5344CB8AC3E}">
-        <p14:creationId xmlns:p14="http://schemas.microsoft.com/office/powerpoint/2010/main" val="166971433"/>
-      </p:ext>
-    </p:extLst>
-  </p:cSld>
-  <p:clrMapOvr>
-    <a:masterClrMapping/>
-  </p:clrMapOvr>
-</p:sld>
-</file>
-
-<file path=ppt/slides/slide8.xml><?xml version="1.0" encoding="utf-8"?>
-<p:sld xmlns:a="http://schemas.openxmlformats.org/drawingml/2006/main" xmlns:r="http://schemas.openxmlformats.org/officeDocument/2006/relationships" xmlns:p="http://schemas.openxmlformats.org/presentationml/2006/main">
-  <p:cSld>
-    <p:spTree>
-      <p:nvGrpSpPr>
-        <p:cNvPr id="1" name=""/>
-        <p:cNvGrpSpPr/>
-        <p:nvPr/>
-      </p:nvGrpSpPr>
-      <p:grpSpPr>
-        <a:xfrm>
-          <a:off x="0" y="0"/>
-          <a:ext cx="0" cy="0"/>
-          <a:chOff x="0" y="0"/>
-          <a:chExt cx="0" cy="0"/>
-        </a:xfrm>
-      </p:grpSpPr>
-      <p:sp>
-        <p:nvSpPr>
-          <p:cNvPr id="2" name="Titolo 1">
-            <a:extLst>
-              <a:ext uri="{FF2B5EF4-FFF2-40B4-BE49-F238E27FC236}">
-                <a16:creationId xmlns:a16="http://schemas.microsoft.com/office/drawing/2014/main" id="{4F938788-45E5-4D74-B776-53FC12E61C88}"/>
-              </a:ext>
-            </a:extLst>
-          </p:cNvPr>
-          <p:cNvSpPr>
-            <a:spLocks noGrp="1"/>
-          </p:cNvSpPr>
-          <p:nvPr>
-            <p:ph type="title"/>
-          </p:nvPr>
-        </p:nvSpPr>
-        <p:spPr/>
-        <p:txBody>
-          <a:bodyPr/>
-          <a:lstStyle/>
-          <a:p>
-            <a:pPr algn="ctr"/>
-            <a:r>
-              <a:rPr lang="en-GB" dirty="0"/>
-              <a:t>STORY 5</a:t>
-            </a:r>
-          </a:p>
-        </p:txBody>
-      </p:sp>
-      <p:sp>
-        <p:nvSpPr>
-          <p:cNvPr id="3" name="Segnaposto contenuto 2">
-            <a:extLst>
-              <a:ext uri="{FF2B5EF4-FFF2-40B4-BE49-F238E27FC236}">
-                <a16:creationId xmlns:a16="http://schemas.microsoft.com/office/drawing/2014/main" id="{C0F64ED1-7F27-40D8-9BD9-5C49ADEEFA34}"/>
-              </a:ext>
-            </a:extLst>
-          </p:cNvPr>
-          <p:cNvSpPr>
-            <a:spLocks noGrp="1"/>
-          </p:cNvSpPr>
-          <p:nvPr>
-            <p:ph idx="1"/>
-          </p:nvPr>
-        </p:nvSpPr>
-        <p:spPr>
-          <a:xfrm>
-            <a:off x="1066800" y="2103120"/>
-            <a:ext cx="10058400" cy="1325880"/>
-          </a:xfrm>
-        </p:spPr>
-        <p:txBody>
-          <a:bodyPr>
-            <a:normAutofit/>
-          </a:bodyPr>
-          <a:lstStyle/>
-          <a:p>
-            <a:pPr marL="0" indent="0" algn="ctr">
-              <a:buNone/>
-            </a:pPr>
-            <a:r>
-              <a:rPr lang="en-US" sz="3200" dirty="0">
-                <a:solidFill>
-                  <a:srgbClr val="0070C0"/>
-                </a:solidFill>
-              </a:rPr>
-              <a:t>As a Shop Employee, I want to top-up a client’s wallet</a:t>
-            </a:r>
-          </a:p>
-        </p:txBody>
-      </p:sp>
-      <p:pic>
-        <p:nvPicPr>
-          <p:cNvPr id="4" name="Elemento grafico 3" descr="Badge Segno di spunta con riempimento a tinta unita">
-            <a:extLst>
-              <a:ext uri="{FF2B5EF4-FFF2-40B4-BE49-F238E27FC236}">
-                <a16:creationId xmlns:a16="http://schemas.microsoft.com/office/drawing/2014/main" id="{E9F4F6B7-C233-41C4-8174-AC184FB10F5B}"/>
-              </a:ext>
-            </a:extLst>
-          </p:cNvPr>
-          <p:cNvPicPr>
-            <a:picLocks noChangeAspect="1"/>
-          </p:cNvPicPr>
-          <p:nvPr/>
-        </p:nvPicPr>
-        <p:blipFill>
-          <a:blip r:embed="rId2">
-            <a:extLst>
-              <a:ext uri="{28A0092B-C50C-407E-A947-70E740481C1C}">
-                <a14:useLocalDpi xmlns:a14="http://schemas.microsoft.com/office/drawing/2010/main" val="0"/>
-              </a:ext>
-              <a:ext uri="{96DAC541-7B7A-43D3-8B79-37D633B846F1}">
-                <asvg:svgBlip xmlns:asvg="http://schemas.microsoft.com/office/drawing/2016/SVG/main" r:embed="rId3"/>
-              </a:ext>
-            </a:extLst>
-          </a:blip>
-          <a:srcRect/>
-          <a:stretch/>
-        </p:blipFill>
-        <p:spPr>
-          <a:xfrm>
-            <a:off x="10346806" y="5357009"/>
-            <a:ext cx="818395" cy="818395"/>
-          </a:xfrm>
-          <a:prstGeom prst="rect">
-            <a:avLst/>
-          </a:prstGeom>
-        </p:spPr>
-      </p:pic>
-      <p:sp>
-        <p:nvSpPr>
-          <p:cNvPr id="5" name="CasellaDiTesto 4">
-            <a:extLst>
-              <a:ext uri="{FF2B5EF4-FFF2-40B4-BE49-F238E27FC236}">
-                <a16:creationId xmlns:a16="http://schemas.microsoft.com/office/drawing/2014/main" id="{BA262492-DA87-4DBC-AC54-B82135F8E085}"/>
-              </a:ext>
-            </a:extLst>
-          </p:cNvPr>
-          <p:cNvSpPr txBox="1"/>
-          <p:nvPr/>
-        </p:nvSpPr>
-        <p:spPr>
-          <a:xfrm>
-            <a:off x="9395830" y="5539673"/>
-            <a:ext cx="1360174" cy="461665"/>
-          </a:xfrm>
-          <a:prstGeom prst="rect">
-            <a:avLst/>
-          </a:prstGeom>
-          <a:noFill/>
-        </p:spPr>
-        <p:txBody>
-          <a:bodyPr wrap="square" rtlCol="0">
-            <a:spAutoFit/>
-          </a:bodyPr>
-          <a:lstStyle/>
-          <a:p>
-            <a:r>
-              <a:rPr lang="en-US" sz="2400"/>
-              <a:t>DONE</a:t>
-            </a:r>
-            <a:endParaRPr lang="it-IT"/>
-          </a:p>
-        </p:txBody>
-      </p:sp>
-      <p:sp>
-        <p:nvSpPr>
-          <p:cNvPr id="6" name="Segnaposto contenuto 2">
-            <a:extLst>
-              <a:ext uri="{FF2B5EF4-FFF2-40B4-BE49-F238E27FC236}">
-                <a16:creationId xmlns:a16="http://schemas.microsoft.com/office/drawing/2014/main" id="{4E66AC49-402C-2249-B788-BCF937CDB208}"/>
+                <a16:creationId xmlns:a16="http://schemas.microsoft.com/office/drawing/2014/main" id="{01C54654-18B7-414E-940E-6FB24551F8D6}"/>
               </a:ext>
             </a:extLst>
           </p:cNvPr>
@@ -6779,7 +5950,7 @@
         </p:nvSpPr>
         <p:spPr>
           <a:xfrm>
-            <a:off x="886436" y="3384568"/>
+            <a:off x="1004968" y="2840419"/>
             <a:ext cx="10419127" cy="2155106"/>
           </a:xfrm>
           <a:prstGeom prst="rect">
@@ -7013,7 +6184,6 @@
           </a:lstStyle>
           <a:p>
             <a:pPr marL="0" indent="0">
-              <a:buFont typeface="Garamond" pitchFamily="18" charset="0"/>
               <a:buNone/>
             </a:pPr>
             <a:r>
@@ -7029,6 +6199,1177 @@
               <a:t>}”:</a:t>
             </a:r>
           </a:p>
+          <a:p>
+            <a:pPr marL="0" indent="0" algn="just">
+              <a:buNone/>
+            </a:pPr>
+            <a:r>
+              <a:rPr lang="en-US" sz="2800" dirty="0"/>
+              <a:t>In addition to the single client info (see Story 5), the list of orders of the specific client is displayed. Each element of the list contains all details of the related order.</a:t>
+            </a:r>
+          </a:p>
+        </p:txBody>
+      </p:sp>
+    </p:spTree>
+    <p:extLst>
+      <p:ext uri="{BB962C8B-B14F-4D97-AF65-F5344CB8AC3E}">
+        <p14:creationId xmlns:p14="http://schemas.microsoft.com/office/powerpoint/2010/main" val="2355476185"/>
+      </p:ext>
+    </p:extLst>
+  </p:cSld>
+  <p:clrMapOvr>
+    <a:masterClrMapping/>
+  </p:clrMapOvr>
+</p:sld>
+</file>
+
+<file path=ppt/slides/slide5.xml><?xml version="1.0" encoding="utf-8"?>
+<p:sld xmlns:a="http://schemas.openxmlformats.org/drawingml/2006/main" xmlns:r="http://schemas.openxmlformats.org/officeDocument/2006/relationships" xmlns:p="http://schemas.openxmlformats.org/presentationml/2006/main">
+  <p:cSld>
+    <p:spTree>
+      <p:nvGrpSpPr>
+        <p:cNvPr id="1" name=""/>
+        <p:cNvGrpSpPr/>
+        <p:nvPr/>
+      </p:nvGrpSpPr>
+      <p:grpSpPr>
+        <a:xfrm>
+          <a:off x="0" y="0"/>
+          <a:ext cx="0" cy="0"/>
+          <a:chOff x="0" y="0"/>
+          <a:chExt cx="0" cy="0"/>
+        </a:xfrm>
+      </p:grpSpPr>
+      <p:sp>
+        <p:nvSpPr>
+          <p:cNvPr id="2" name="Titolo 1">
+            <a:extLst>
+              <a:ext uri="{FF2B5EF4-FFF2-40B4-BE49-F238E27FC236}">
+                <a16:creationId xmlns:a16="http://schemas.microsoft.com/office/drawing/2014/main" id="{F8934C2C-EC44-4007-8EE6-1BB8BAE9BF97}"/>
+              </a:ext>
+            </a:extLst>
+          </p:cNvPr>
+          <p:cNvSpPr>
+            <a:spLocks noGrp="1"/>
+          </p:cNvSpPr>
+          <p:nvPr>
+            <p:ph type="title"/>
+          </p:nvPr>
+        </p:nvSpPr>
+        <p:spPr/>
+        <p:txBody>
+          <a:bodyPr/>
+          <a:lstStyle/>
+          <a:p>
+            <a:pPr algn="ctr"/>
+            <a:r>
+              <a:rPr lang="en-GB" dirty="0"/>
+              <a:t>STORY 1</a:t>
+            </a:r>
+          </a:p>
+        </p:txBody>
+      </p:sp>
+      <p:sp>
+        <p:nvSpPr>
+          <p:cNvPr id="3" name="Segnaposto contenuto 2">
+            <a:extLst>
+              <a:ext uri="{FF2B5EF4-FFF2-40B4-BE49-F238E27FC236}">
+                <a16:creationId xmlns:a16="http://schemas.microsoft.com/office/drawing/2014/main" id="{266FFDBF-21EC-4A78-8395-2DAF922CC875}"/>
+              </a:ext>
+            </a:extLst>
+          </p:cNvPr>
+          <p:cNvSpPr>
+            <a:spLocks noGrp="1"/>
+          </p:cNvSpPr>
+          <p:nvPr>
+            <p:ph idx="1"/>
+          </p:nvPr>
+        </p:nvSpPr>
+        <p:spPr>
+          <a:xfrm>
+            <a:off x="1026799" y="3209911"/>
+            <a:ext cx="10058400" cy="3849624"/>
+          </a:xfrm>
+        </p:spPr>
+        <p:txBody>
+          <a:bodyPr>
+            <a:normAutofit/>
+          </a:bodyPr>
+          <a:lstStyle/>
+          <a:p>
+            <a:pPr marL="0" indent="0" algn="just">
+              <a:buNone/>
+            </a:pPr>
+            <a:r>
+              <a:rPr lang="en-US" sz="2800" dirty="0"/>
+              <a:t>The employee can create an order for an unregistered user. The selected products (see Story 3) can be added to the website cart in order to reserve the products. The request is confirmed after the employee press a button.</a:t>
+            </a:r>
+            <a:endParaRPr lang="en-GB" sz="2800" dirty="0"/>
+          </a:p>
+        </p:txBody>
+      </p:sp>
+      <p:pic>
+        <p:nvPicPr>
+          <p:cNvPr id="5" name="Elemento grafico 4" descr="Badge Segno di spunta con riempimento a tinta unita">
+            <a:extLst>
+              <a:ext uri="{FF2B5EF4-FFF2-40B4-BE49-F238E27FC236}">
+                <a16:creationId xmlns:a16="http://schemas.microsoft.com/office/drawing/2014/main" id="{A188CE10-DDD9-4384-AC98-ADA56B3CBEC3}"/>
+              </a:ext>
+            </a:extLst>
+          </p:cNvPr>
+          <p:cNvPicPr>
+            <a:picLocks noChangeAspect="1"/>
+          </p:cNvPicPr>
+          <p:nvPr/>
+        </p:nvPicPr>
+        <p:blipFill>
+          <a:blip r:embed="rId2">
+            <a:extLst>
+              <a:ext uri="{28A0092B-C50C-407E-A947-70E740481C1C}">
+                <a14:useLocalDpi xmlns:a14="http://schemas.microsoft.com/office/drawing/2010/main" val="0"/>
+              </a:ext>
+              <a:ext uri="{96DAC541-7B7A-43D3-8B79-37D633B846F1}">
+                <asvg:svgBlip xmlns:asvg="http://schemas.microsoft.com/office/drawing/2016/SVG/main" r:embed="rId3"/>
+              </a:ext>
+            </a:extLst>
+          </a:blip>
+          <a:srcRect/>
+          <a:stretch/>
+        </p:blipFill>
+        <p:spPr>
+          <a:xfrm>
+            <a:off x="10346806" y="5357009"/>
+            <a:ext cx="818395" cy="818395"/>
+          </a:xfrm>
+          <a:prstGeom prst="rect">
+            <a:avLst/>
+          </a:prstGeom>
+        </p:spPr>
+      </p:pic>
+      <p:sp>
+        <p:nvSpPr>
+          <p:cNvPr id="6" name="CasellaDiTesto 5">
+            <a:extLst>
+              <a:ext uri="{FF2B5EF4-FFF2-40B4-BE49-F238E27FC236}">
+                <a16:creationId xmlns:a16="http://schemas.microsoft.com/office/drawing/2014/main" id="{767D3729-5081-46FE-9C0C-5539E11BBA3B}"/>
+              </a:ext>
+            </a:extLst>
+          </p:cNvPr>
+          <p:cNvSpPr txBox="1"/>
+          <p:nvPr/>
+        </p:nvSpPr>
+        <p:spPr>
+          <a:xfrm>
+            <a:off x="9395830" y="5539673"/>
+            <a:ext cx="1360174" cy="461665"/>
+          </a:xfrm>
+          <a:prstGeom prst="rect">
+            <a:avLst/>
+          </a:prstGeom>
+          <a:noFill/>
+        </p:spPr>
+        <p:txBody>
+          <a:bodyPr wrap="square" rtlCol="0">
+            <a:spAutoFit/>
+          </a:bodyPr>
+          <a:lstStyle/>
+          <a:p>
+            <a:r>
+              <a:rPr lang="en-US" sz="2400" dirty="0"/>
+              <a:t>DONE</a:t>
+            </a:r>
+            <a:endParaRPr lang="it-IT" dirty="0"/>
+          </a:p>
+        </p:txBody>
+      </p:sp>
+      <p:sp>
+        <p:nvSpPr>
+          <p:cNvPr id="4" name="CasellaDiTesto 3">
+            <a:extLst>
+              <a:ext uri="{FF2B5EF4-FFF2-40B4-BE49-F238E27FC236}">
+                <a16:creationId xmlns:a16="http://schemas.microsoft.com/office/drawing/2014/main" id="{AF3A7F17-A0A5-D544-83A1-51B0BD1EEB0A}"/>
+              </a:ext>
+            </a:extLst>
+          </p:cNvPr>
+          <p:cNvSpPr txBox="1"/>
+          <p:nvPr/>
+        </p:nvSpPr>
+        <p:spPr>
+          <a:xfrm>
+            <a:off x="1002505" y="1764362"/>
+            <a:ext cx="10186989" cy="1354217"/>
+          </a:xfrm>
+          <a:prstGeom prst="rect">
+            <a:avLst/>
+          </a:prstGeom>
+          <a:noFill/>
+        </p:spPr>
+        <p:txBody>
+          <a:bodyPr wrap="square" rtlCol="0">
+            <a:spAutoFit/>
+          </a:bodyPr>
+          <a:lstStyle/>
+          <a:p>
+            <a:pPr algn="ctr"/>
+            <a:r>
+              <a:rPr lang="it-IT" sz="3200" dirty="0">
+                <a:solidFill>
+                  <a:srgbClr val="0070C0"/>
+                </a:solidFill>
+              </a:rPr>
+              <a:t>As a shop employee, I want to enter product requests for a client so her products are booked</a:t>
+            </a:r>
+          </a:p>
+          <a:p>
+            <a:pPr algn="ctr"/>
+            <a:endParaRPr lang="it-IT" dirty="0"/>
+          </a:p>
+        </p:txBody>
+      </p:sp>
+    </p:spTree>
+    <p:extLst>
+      <p:ext uri="{BB962C8B-B14F-4D97-AF65-F5344CB8AC3E}">
+        <p14:creationId xmlns:p14="http://schemas.microsoft.com/office/powerpoint/2010/main" val="987530533"/>
+      </p:ext>
+    </p:extLst>
+  </p:cSld>
+  <p:clrMapOvr>
+    <a:masterClrMapping/>
+  </p:clrMapOvr>
+</p:sld>
+</file>
+
+<file path=ppt/slides/slide6.xml><?xml version="1.0" encoding="utf-8"?>
+<p:sld xmlns:a="http://schemas.openxmlformats.org/drawingml/2006/main" xmlns:r="http://schemas.openxmlformats.org/officeDocument/2006/relationships" xmlns:p="http://schemas.openxmlformats.org/presentationml/2006/main">
+  <p:cSld>
+    <p:spTree>
+      <p:nvGrpSpPr>
+        <p:cNvPr id="1" name=""/>
+        <p:cNvGrpSpPr/>
+        <p:nvPr/>
+      </p:nvGrpSpPr>
+      <p:grpSpPr>
+        <a:xfrm>
+          <a:off x="0" y="0"/>
+          <a:ext cx="0" cy="0"/>
+          <a:chOff x="0" y="0"/>
+          <a:chExt cx="0" cy="0"/>
+        </a:xfrm>
+      </p:grpSpPr>
+      <p:sp>
+        <p:nvSpPr>
+          <p:cNvPr id="2" name="Titolo 1">
+            <a:extLst>
+              <a:ext uri="{FF2B5EF4-FFF2-40B4-BE49-F238E27FC236}">
+                <a16:creationId xmlns:a16="http://schemas.microsoft.com/office/drawing/2014/main" id="{CD405231-0E1C-43FC-B953-162B5EA5A920}"/>
+              </a:ext>
+            </a:extLst>
+          </p:cNvPr>
+          <p:cNvSpPr>
+            <a:spLocks noGrp="1"/>
+          </p:cNvSpPr>
+          <p:nvPr>
+            <p:ph type="title"/>
+          </p:nvPr>
+        </p:nvSpPr>
+        <p:spPr/>
+        <p:txBody>
+          <a:bodyPr/>
+          <a:lstStyle/>
+          <a:p>
+            <a:pPr algn="ctr"/>
+            <a:r>
+              <a:rPr lang="en-GB" dirty="0"/>
+              <a:t>STORY 2</a:t>
+            </a:r>
+          </a:p>
+        </p:txBody>
+      </p:sp>
+      <p:sp>
+        <p:nvSpPr>
+          <p:cNvPr id="3" name="Segnaposto contenuto 2">
+            <a:extLst>
+              <a:ext uri="{FF2B5EF4-FFF2-40B4-BE49-F238E27FC236}">
+                <a16:creationId xmlns:a16="http://schemas.microsoft.com/office/drawing/2014/main" id="{36488C43-FB08-48C0-B79E-84A5B94766AF}"/>
+              </a:ext>
+            </a:extLst>
+          </p:cNvPr>
+          <p:cNvSpPr>
+            <a:spLocks noGrp="1"/>
+          </p:cNvSpPr>
+          <p:nvPr>
+            <p:ph idx="1"/>
+          </p:nvPr>
+        </p:nvSpPr>
+        <p:spPr>
+          <a:xfrm>
+            <a:off x="1066800" y="2918995"/>
+            <a:ext cx="10058400" cy="3849624"/>
+          </a:xfrm>
+        </p:spPr>
+        <p:txBody>
+          <a:bodyPr>
+            <a:normAutofit/>
+          </a:bodyPr>
+          <a:lstStyle/>
+          <a:p>
+            <a:pPr marL="0" indent="0">
+              <a:buNone/>
+            </a:pPr>
+            <a:r>
+              <a:rPr lang="en-US" sz="2800" dirty="0"/>
+              <a:t>Route “/employee/form”</a:t>
+            </a:r>
+          </a:p>
+          <a:p>
+            <a:pPr marL="0" indent="0" algn="just">
+              <a:buNone/>
+            </a:pPr>
+            <a:r>
+              <a:rPr lang="en-US" sz="2800" dirty="0"/>
+              <a:t>A form is displayed to allow the employee to register a new client. Name, surname, email and password are required in order to successfully register the customer. </a:t>
+            </a:r>
+          </a:p>
+        </p:txBody>
+      </p:sp>
+      <p:pic>
+        <p:nvPicPr>
+          <p:cNvPr id="4" name="Elemento grafico 3" descr="Badge Segno di spunta con riempimento a tinta unita">
+            <a:extLst>
+              <a:ext uri="{FF2B5EF4-FFF2-40B4-BE49-F238E27FC236}">
+                <a16:creationId xmlns:a16="http://schemas.microsoft.com/office/drawing/2014/main" id="{DDC15659-21DC-43B2-A70C-ABA7C73B5B70}"/>
+              </a:ext>
+            </a:extLst>
+          </p:cNvPr>
+          <p:cNvPicPr>
+            <a:picLocks noChangeAspect="1"/>
+          </p:cNvPicPr>
+          <p:nvPr/>
+        </p:nvPicPr>
+        <p:blipFill>
+          <a:blip r:embed="rId2">
+            <a:extLst>
+              <a:ext uri="{28A0092B-C50C-407E-A947-70E740481C1C}">
+                <a14:useLocalDpi xmlns:a14="http://schemas.microsoft.com/office/drawing/2010/main" val="0"/>
+              </a:ext>
+              <a:ext uri="{96DAC541-7B7A-43D3-8B79-37D633B846F1}">
+                <asvg:svgBlip xmlns:asvg="http://schemas.microsoft.com/office/drawing/2016/SVG/main" r:embed="rId3"/>
+              </a:ext>
+            </a:extLst>
+          </a:blip>
+          <a:srcRect/>
+          <a:stretch/>
+        </p:blipFill>
+        <p:spPr>
+          <a:xfrm>
+            <a:off x="10346806" y="5357009"/>
+            <a:ext cx="818395" cy="818395"/>
+          </a:xfrm>
+          <a:prstGeom prst="rect">
+            <a:avLst/>
+          </a:prstGeom>
+        </p:spPr>
+      </p:pic>
+      <p:sp>
+        <p:nvSpPr>
+          <p:cNvPr id="5" name="CasellaDiTesto 4">
+            <a:extLst>
+              <a:ext uri="{FF2B5EF4-FFF2-40B4-BE49-F238E27FC236}">
+                <a16:creationId xmlns:a16="http://schemas.microsoft.com/office/drawing/2014/main" id="{24940603-F528-4C4E-9E03-0477E45B43E6}"/>
+              </a:ext>
+            </a:extLst>
+          </p:cNvPr>
+          <p:cNvSpPr txBox="1"/>
+          <p:nvPr/>
+        </p:nvSpPr>
+        <p:spPr>
+          <a:xfrm>
+            <a:off x="9395830" y="5539673"/>
+            <a:ext cx="1360174" cy="461665"/>
+          </a:xfrm>
+          <a:prstGeom prst="rect">
+            <a:avLst/>
+          </a:prstGeom>
+          <a:noFill/>
+        </p:spPr>
+        <p:txBody>
+          <a:bodyPr wrap="square" rtlCol="0">
+            <a:spAutoFit/>
+          </a:bodyPr>
+          <a:lstStyle/>
+          <a:p>
+            <a:r>
+              <a:rPr lang="en-US" sz="2400"/>
+              <a:t>DONE</a:t>
+            </a:r>
+            <a:endParaRPr lang="it-IT"/>
+          </a:p>
+        </p:txBody>
+      </p:sp>
+      <p:sp>
+        <p:nvSpPr>
+          <p:cNvPr id="6" name="CasellaDiTesto 5">
+            <a:extLst>
+              <a:ext uri="{FF2B5EF4-FFF2-40B4-BE49-F238E27FC236}">
+                <a16:creationId xmlns:a16="http://schemas.microsoft.com/office/drawing/2014/main" id="{C21C0E35-0D83-2840-B530-EA0AB0487DCF}"/>
+              </a:ext>
+            </a:extLst>
+          </p:cNvPr>
+          <p:cNvSpPr txBox="1"/>
+          <p:nvPr/>
+        </p:nvSpPr>
+        <p:spPr>
+          <a:xfrm>
+            <a:off x="1002505" y="1764362"/>
+            <a:ext cx="10186989" cy="1077218"/>
+          </a:xfrm>
+          <a:prstGeom prst="rect">
+            <a:avLst/>
+          </a:prstGeom>
+          <a:noFill/>
+        </p:spPr>
+        <p:txBody>
+          <a:bodyPr wrap="square" rtlCol="0">
+            <a:spAutoFit/>
+          </a:bodyPr>
+          <a:lstStyle/>
+          <a:p>
+            <a:pPr algn="ctr"/>
+            <a:r>
+              <a:rPr lang="it-IT" sz="3200" dirty="0">
+                <a:solidFill>
+                  <a:srgbClr val="0070C0"/>
+                </a:solidFill>
+              </a:rPr>
+              <a:t>As a shop employee, I want to enter new client data, so that she is registered in the system</a:t>
+            </a:r>
+          </a:p>
+        </p:txBody>
+      </p:sp>
+    </p:spTree>
+    <p:extLst>
+      <p:ext uri="{BB962C8B-B14F-4D97-AF65-F5344CB8AC3E}">
+        <p14:creationId xmlns:p14="http://schemas.microsoft.com/office/powerpoint/2010/main" val="2188463891"/>
+      </p:ext>
+    </p:extLst>
+  </p:cSld>
+  <p:clrMapOvr>
+    <a:masterClrMapping/>
+  </p:clrMapOvr>
+</p:sld>
+</file>
+
+<file path=ppt/slides/slide7.xml><?xml version="1.0" encoding="utf-8"?>
+<p:sld xmlns:a="http://schemas.openxmlformats.org/drawingml/2006/main" xmlns:r="http://schemas.openxmlformats.org/officeDocument/2006/relationships" xmlns:p="http://schemas.openxmlformats.org/presentationml/2006/main">
+  <p:cSld>
+    <p:spTree>
+      <p:nvGrpSpPr>
+        <p:cNvPr id="1" name=""/>
+        <p:cNvGrpSpPr/>
+        <p:nvPr/>
+      </p:nvGrpSpPr>
+      <p:grpSpPr>
+        <a:xfrm>
+          <a:off x="0" y="0"/>
+          <a:ext cx="0" cy="0"/>
+          <a:chOff x="0" y="0"/>
+          <a:chExt cx="0" cy="0"/>
+        </a:xfrm>
+      </p:grpSpPr>
+      <p:sp>
+        <p:nvSpPr>
+          <p:cNvPr id="2" name="Titolo 1">
+            <a:extLst>
+              <a:ext uri="{FF2B5EF4-FFF2-40B4-BE49-F238E27FC236}">
+                <a16:creationId xmlns:a16="http://schemas.microsoft.com/office/drawing/2014/main" id="{3E187D3A-F244-427E-BD20-F1A696026CF6}"/>
+              </a:ext>
+            </a:extLst>
+          </p:cNvPr>
+          <p:cNvSpPr>
+            <a:spLocks noGrp="1"/>
+          </p:cNvSpPr>
+          <p:nvPr>
+            <p:ph type="title"/>
+          </p:nvPr>
+        </p:nvSpPr>
+        <p:spPr/>
+        <p:txBody>
+          <a:bodyPr/>
+          <a:lstStyle/>
+          <a:p>
+            <a:pPr algn="ctr"/>
+            <a:r>
+              <a:rPr lang="en-GB" dirty="0"/>
+              <a:t>STORY 3</a:t>
+            </a:r>
+          </a:p>
+        </p:txBody>
+      </p:sp>
+      <p:sp>
+        <p:nvSpPr>
+          <p:cNvPr id="3" name="Segnaposto contenuto 2">
+            <a:extLst>
+              <a:ext uri="{FF2B5EF4-FFF2-40B4-BE49-F238E27FC236}">
+                <a16:creationId xmlns:a16="http://schemas.microsoft.com/office/drawing/2014/main" id="{2DB267BF-4548-4543-B1CA-B385394FD1FB}"/>
+              </a:ext>
+            </a:extLst>
+          </p:cNvPr>
+          <p:cNvSpPr>
+            <a:spLocks noGrp="1"/>
+          </p:cNvSpPr>
+          <p:nvPr>
+            <p:ph idx="1"/>
+          </p:nvPr>
+        </p:nvSpPr>
+        <p:spPr>
+          <a:xfrm>
+            <a:off x="886436" y="3384568"/>
+            <a:ext cx="10419127" cy="2155106"/>
+          </a:xfrm>
+        </p:spPr>
+        <p:txBody>
+          <a:bodyPr>
+            <a:noAutofit/>
+          </a:bodyPr>
+          <a:lstStyle/>
+          <a:p>
+            <a:pPr marL="0" indent="0">
+              <a:buNone/>
+            </a:pPr>
+            <a:r>
+              <a:rPr lang="en-US" sz="2800" dirty="0"/>
+              <a:t>Route “/employee/products”:</a:t>
+            </a:r>
+          </a:p>
+          <a:p>
+            <a:pPr marL="0" indent="0" algn="just">
+              <a:buNone/>
+            </a:pPr>
+            <a:r>
+              <a:rPr lang="en-US" sz="2800" dirty="0"/>
+              <a:t>The list of available products is displayed and allows the employee to add a product to the cart (see story 1). </a:t>
+            </a:r>
+          </a:p>
+        </p:txBody>
+      </p:sp>
+      <p:pic>
+        <p:nvPicPr>
+          <p:cNvPr id="4" name="Elemento grafico 3" descr="Badge Segno di spunta con riempimento a tinta unita">
+            <a:extLst>
+              <a:ext uri="{FF2B5EF4-FFF2-40B4-BE49-F238E27FC236}">
+                <a16:creationId xmlns:a16="http://schemas.microsoft.com/office/drawing/2014/main" id="{1F646DF8-A6E2-470A-A99B-DA24ABE36394}"/>
+              </a:ext>
+            </a:extLst>
+          </p:cNvPr>
+          <p:cNvPicPr>
+            <a:picLocks noChangeAspect="1"/>
+          </p:cNvPicPr>
+          <p:nvPr/>
+        </p:nvPicPr>
+        <p:blipFill>
+          <a:blip r:embed="rId2">
+            <a:extLst>
+              <a:ext uri="{28A0092B-C50C-407E-A947-70E740481C1C}">
+                <a14:useLocalDpi xmlns:a14="http://schemas.microsoft.com/office/drawing/2010/main" val="0"/>
+              </a:ext>
+              <a:ext uri="{96DAC541-7B7A-43D3-8B79-37D633B846F1}">
+                <asvg:svgBlip xmlns:asvg="http://schemas.microsoft.com/office/drawing/2016/SVG/main" r:embed="rId3"/>
+              </a:ext>
+            </a:extLst>
+          </a:blip>
+          <a:srcRect/>
+          <a:stretch/>
+        </p:blipFill>
+        <p:spPr>
+          <a:xfrm>
+            <a:off x="10346806" y="5357009"/>
+            <a:ext cx="818395" cy="818395"/>
+          </a:xfrm>
+          <a:prstGeom prst="rect">
+            <a:avLst/>
+          </a:prstGeom>
+        </p:spPr>
+      </p:pic>
+      <p:sp>
+        <p:nvSpPr>
+          <p:cNvPr id="5" name="CasellaDiTesto 4">
+            <a:extLst>
+              <a:ext uri="{FF2B5EF4-FFF2-40B4-BE49-F238E27FC236}">
+                <a16:creationId xmlns:a16="http://schemas.microsoft.com/office/drawing/2014/main" id="{EFB698A0-0EB4-4C6D-87B6-D8E2BE0F9ABE}"/>
+              </a:ext>
+            </a:extLst>
+          </p:cNvPr>
+          <p:cNvSpPr txBox="1"/>
+          <p:nvPr/>
+        </p:nvSpPr>
+        <p:spPr>
+          <a:xfrm>
+            <a:off x="9395830" y="5539673"/>
+            <a:ext cx="1360174" cy="461665"/>
+          </a:xfrm>
+          <a:prstGeom prst="rect">
+            <a:avLst/>
+          </a:prstGeom>
+          <a:noFill/>
+        </p:spPr>
+        <p:txBody>
+          <a:bodyPr wrap="square" rtlCol="0">
+            <a:spAutoFit/>
+          </a:bodyPr>
+          <a:lstStyle/>
+          <a:p>
+            <a:r>
+              <a:rPr lang="en-US" sz="2400"/>
+              <a:t>DONE</a:t>
+            </a:r>
+            <a:endParaRPr lang="it-IT"/>
+          </a:p>
+        </p:txBody>
+      </p:sp>
+      <p:sp>
+        <p:nvSpPr>
+          <p:cNvPr id="7" name="CasellaDiTesto 6">
+            <a:extLst>
+              <a:ext uri="{FF2B5EF4-FFF2-40B4-BE49-F238E27FC236}">
+                <a16:creationId xmlns:a16="http://schemas.microsoft.com/office/drawing/2014/main" id="{0171E5E9-1D3B-2545-9BF7-28F6AC3142F8}"/>
+              </a:ext>
+            </a:extLst>
+          </p:cNvPr>
+          <p:cNvSpPr txBox="1"/>
+          <p:nvPr/>
+        </p:nvSpPr>
+        <p:spPr>
+          <a:xfrm>
+            <a:off x="886436" y="1792659"/>
+            <a:ext cx="10186989" cy="1569660"/>
+          </a:xfrm>
+          <a:prstGeom prst="rect">
+            <a:avLst/>
+          </a:prstGeom>
+          <a:noFill/>
+        </p:spPr>
+        <p:txBody>
+          <a:bodyPr wrap="square" rtlCol="0">
+            <a:spAutoFit/>
+          </a:bodyPr>
+          <a:lstStyle/>
+          <a:p>
+            <a:pPr algn="ctr"/>
+            <a:r>
+              <a:rPr lang="it-IT" sz="3200" dirty="0">
+                <a:solidFill>
+                  <a:srgbClr val="0070C0"/>
+                </a:solidFill>
+              </a:rPr>
+              <a:t>As a shop employee, I want to </a:t>
+            </a:r>
+            <a:r>
+              <a:rPr lang="it-IT" sz="3200" dirty="0" err="1">
+                <a:solidFill>
+                  <a:srgbClr val="0070C0"/>
+                </a:solidFill>
+              </a:rPr>
+              <a:t>browse</a:t>
+            </a:r>
+            <a:r>
+              <a:rPr lang="it-IT" sz="3200" dirty="0">
+                <a:solidFill>
+                  <a:srgbClr val="0070C0"/>
+                </a:solidFill>
+              </a:rPr>
+              <a:t> </a:t>
+            </a:r>
+            <a:r>
+              <a:rPr lang="it-IT" sz="3200" dirty="0" err="1">
+                <a:solidFill>
+                  <a:srgbClr val="0070C0"/>
+                </a:solidFill>
+              </a:rPr>
+              <a:t>available</a:t>
+            </a:r>
+            <a:r>
+              <a:rPr lang="it-IT" sz="3200" dirty="0">
+                <a:solidFill>
+                  <a:srgbClr val="0070C0"/>
+                </a:solidFill>
+              </a:rPr>
+              <a:t> products, so that I can show the clients </a:t>
+            </a:r>
+            <a:r>
+              <a:rPr lang="it-IT" sz="3200" dirty="0" err="1">
+                <a:solidFill>
+                  <a:srgbClr val="0070C0"/>
+                </a:solidFill>
+              </a:rPr>
+              <a:t>what</a:t>
+            </a:r>
+            <a:r>
+              <a:rPr lang="it-IT" sz="3200" dirty="0">
+                <a:solidFill>
+                  <a:srgbClr val="0070C0"/>
+                </a:solidFill>
+              </a:rPr>
+              <a:t> is </a:t>
+            </a:r>
+            <a:r>
+              <a:rPr lang="it-IT" sz="3200" dirty="0" err="1">
+                <a:solidFill>
+                  <a:srgbClr val="0070C0"/>
+                </a:solidFill>
+              </a:rPr>
+              <a:t>available</a:t>
+            </a:r>
+            <a:endParaRPr lang="it-IT" sz="3200" dirty="0">
+              <a:solidFill>
+                <a:srgbClr val="0070C0"/>
+              </a:solidFill>
+            </a:endParaRPr>
+          </a:p>
+        </p:txBody>
+      </p:sp>
+    </p:spTree>
+    <p:extLst>
+      <p:ext uri="{BB962C8B-B14F-4D97-AF65-F5344CB8AC3E}">
+        <p14:creationId xmlns:p14="http://schemas.microsoft.com/office/powerpoint/2010/main" val="2175217570"/>
+      </p:ext>
+    </p:extLst>
+  </p:cSld>
+  <p:clrMapOvr>
+    <a:masterClrMapping/>
+  </p:clrMapOvr>
+</p:sld>
+</file>
+
+<file path=ppt/slides/slide8.xml><?xml version="1.0" encoding="utf-8"?>
+<p:sld xmlns:a="http://schemas.openxmlformats.org/drawingml/2006/main" xmlns:r="http://schemas.openxmlformats.org/officeDocument/2006/relationships" xmlns:p="http://schemas.openxmlformats.org/presentationml/2006/main">
+  <p:cSld>
+    <p:spTree>
+      <p:nvGrpSpPr>
+        <p:cNvPr id="1" name=""/>
+        <p:cNvGrpSpPr/>
+        <p:nvPr/>
+      </p:nvGrpSpPr>
+      <p:grpSpPr>
+        <a:xfrm>
+          <a:off x="0" y="0"/>
+          <a:ext cx="0" cy="0"/>
+          <a:chOff x="0" y="0"/>
+          <a:chExt cx="0" cy="0"/>
+        </a:xfrm>
+      </p:grpSpPr>
+      <p:sp>
+        <p:nvSpPr>
+          <p:cNvPr id="2" name="Titolo 1">
+            <a:extLst>
+              <a:ext uri="{FF2B5EF4-FFF2-40B4-BE49-F238E27FC236}">
+                <a16:creationId xmlns:a16="http://schemas.microsoft.com/office/drawing/2014/main" id="{4F938788-45E5-4D74-B776-53FC12E61C88}"/>
+              </a:ext>
+            </a:extLst>
+          </p:cNvPr>
+          <p:cNvSpPr>
+            <a:spLocks noGrp="1"/>
+          </p:cNvSpPr>
+          <p:nvPr>
+            <p:ph type="title"/>
+          </p:nvPr>
+        </p:nvSpPr>
+        <p:spPr/>
+        <p:txBody>
+          <a:bodyPr/>
+          <a:lstStyle/>
+          <a:p>
+            <a:pPr algn="ctr"/>
+            <a:r>
+              <a:rPr lang="en-GB" dirty="0"/>
+              <a:t>STORY 4</a:t>
+            </a:r>
+          </a:p>
+        </p:txBody>
+      </p:sp>
+      <p:sp>
+        <p:nvSpPr>
+          <p:cNvPr id="3" name="Segnaposto contenuto 2">
+            <a:extLst>
+              <a:ext uri="{FF2B5EF4-FFF2-40B4-BE49-F238E27FC236}">
+                <a16:creationId xmlns:a16="http://schemas.microsoft.com/office/drawing/2014/main" id="{C0F64ED1-7F27-40D8-9BD9-5C49ADEEFA34}"/>
+              </a:ext>
+            </a:extLst>
+          </p:cNvPr>
+          <p:cNvSpPr>
+            <a:spLocks noGrp="1"/>
+          </p:cNvSpPr>
+          <p:nvPr>
+            <p:ph idx="1"/>
+          </p:nvPr>
+        </p:nvSpPr>
+        <p:spPr>
+          <a:xfrm>
+            <a:off x="1106801" y="1758784"/>
+            <a:ext cx="10058400" cy="1224280"/>
+          </a:xfrm>
+        </p:spPr>
+        <p:txBody>
+          <a:bodyPr>
+            <a:normAutofit lnSpcReduction="10000"/>
+          </a:bodyPr>
+          <a:lstStyle/>
+          <a:p>
+            <a:pPr marL="0" indent="0" algn="ctr">
+              <a:buNone/>
+            </a:pPr>
+            <a:r>
+              <a:rPr lang="en-US" sz="3600" b="1" i="0" dirty="0">
+                <a:solidFill>
+                  <a:srgbClr val="BBBBBB"/>
+                </a:solidFill>
+                <a:effectLst/>
+                <a:latin typeface="Inter"/>
+              </a:rPr>
+              <a:t> </a:t>
+            </a:r>
+            <a:r>
+              <a:rPr lang="en-US" sz="3200" dirty="0">
+                <a:solidFill>
+                  <a:srgbClr val="0070C0"/>
+                </a:solidFill>
+              </a:rPr>
+              <a:t>As a Shop Employee, I want to hand out products to client</a:t>
+            </a:r>
+          </a:p>
+          <a:p>
+            <a:pPr marL="0" indent="0" algn="ctr">
+              <a:buNone/>
+            </a:pPr>
+            <a:endParaRPr lang="en-US" sz="3200" dirty="0">
+              <a:solidFill>
+                <a:srgbClr val="0070C0"/>
+              </a:solidFill>
+            </a:endParaRPr>
+          </a:p>
+        </p:txBody>
+      </p:sp>
+      <p:pic>
+        <p:nvPicPr>
+          <p:cNvPr id="4" name="Elemento grafico 3" descr="Badge Segno di spunta con riempimento a tinta unita">
+            <a:extLst>
+              <a:ext uri="{FF2B5EF4-FFF2-40B4-BE49-F238E27FC236}">
+                <a16:creationId xmlns:a16="http://schemas.microsoft.com/office/drawing/2014/main" id="{E9F4F6B7-C233-41C4-8174-AC184FB10F5B}"/>
+              </a:ext>
+            </a:extLst>
+          </p:cNvPr>
+          <p:cNvPicPr>
+            <a:picLocks noChangeAspect="1"/>
+          </p:cNvPicPr>
+          <p:nvPr/>
+        </p:nvPicPr>
+        <p:blipFill>
+          <a:blip r:embed="rId2">
+            <a:extLst>
+              <a:ext uri="{28A0092B-C50C-407E-A947-70E740481C1C}">
+                <a14:useLocalDpi xmlns:a14="http://schemas.microsoft.com/office/drawing/2010/main" val="0"/>
+              </a:ext>
+              <a:ext uri="{96DAC541-7B7A-43D3-8B79-37D633B846F1}">
+                <asvg:svgBlip xmlns:asvg="http://schemas.microsoft.com/office/drawing/2016/SVG/main" r:embed="rId3"/>
+              </a:ext>
+            </a:extLst>
+          </a:blip>
+          <a:srcRect/>
+          <a:stretch/>
+        </p:blipFill>
+        <p:spPr>
+          <a:xfrm>
+            <a:off x="10346806" y="5357009"/>
+            <a:ext cx="818395" cy="818395"/>
+          </a:xfrm>
+          <a:prstGeom prst="rect">
+            <a:avLst/>
+          </a:prstGeom>
+        </p:spPr>
+      </p:pic>
+      <p:sp>
+        <p:nvSpPr>
+          <p:cNvPr id="5" name="CasellaDiTesto 4">
+            <a:extLst>
+              <a:ext uri="{FF2B5EF4-FFF2-40B4-BE49-F238E27FC236}">
+                <a16:creationId xmlns:a16="http://schemas.microsoft.com/office/drawing/2014/main" id="{BA262492-DA87-4DBC-AC54-B82135F8E085}"/>
+              </a:ext>
+            </a:extLst>
+          </p:cNvPr>
+          <p:cNvSpPr txBox="1"/>
+          <p:nvPr/>
+        </p:nvSpPr>
+        <p:spPr>
+          <a:xfrm>
+            <a:off x="9395830" y="5539673"/>
+            <a:ext cx="1360174" cy="461665"/>
+          </a:xfrm>
+          <a:prstGeom prst="rect">
+            <a:avLst/>
+          </a:prstGeom>
+          <a:noFill/>
+        </p:spPr>
+        <p:txBody>
+          <a:bodyPr wrap="square" rtlCol="0">
+            <a:spAutoFit/>
+          </a:bodyPr>
+          <a:lstStyle/>
+          <a:p>
+            <a:r>
+              <a:rPr lang="en-US" sz="2400"/>
+              <a:t>DONE</a:t>
+            </a:r>
+            <a:endParaRPr lang="it-IT"/>
+          </a:p>
+        </p:txBody>
+      </p:sp>
+      <p:sp>
+        <p:nvSpPr>
+          <p:cNvPr id="7" name="Segnaposto contenuto 2">
+            <a:extLst>
+              <a:ext uri="{FF2B5EF4-FFF2-40B4-BE49-F238E27FC236}">
+                <a16:creationId xmlns:a16="http://schemas.microsoft.com/office/drawing/2014/main" id="{70890D2B-C643-4226-BBC8-45F9398C106A}"/>
+              </a:ext>
+            </a:extLst>
+          </p:cNvPr>
+          <p:cNvSpPr txBox="1">
+            <a:spLocks/>
+          </p:cNvSpPr>
+          <p:nvPr/>
+        </p:nvSpPr>
+        <p:spPr>
+          <a:xfrm>
+            <a:off x="926437" y="3027837"/>
+            <a:ext cx="10419127" cy="2155106"/>
+          </a:xfrm>
+          <a:prstGeom prst="rect">
+            <a:avLst/>
+          </a:prstGeom>
+        </p:spPr>
+        <p:txBody>
+          <a:bodyPr vert="horz" lIns="91440" tIns="45720" rIns="91440" bIns="45720" rtlCol="0">
+            <a:noAutofit/>
+          </a:bodyPr>
+          <a:lstStyle>
+            <a:lvl1pPr marL="182880" indent="-182880" algn="l" defTabSz="914400" rtl="0" eaLnBrk="1" latinLnBrk="0" hangingPunct="1">
+              <a:lnSpc>
+                <a:spcPct val="110000"/>
+              </a:lnSpc>
+              <a:spcBef>
+                <a:spcPts val="900"/>
+              </a:spcBef>
+              <a:spcAft>
+                <a:spcPts val="0"/>
+              </a:spcAft>
+              <a:buClr>
+                <a:schemeClr val="tx1">
+                  <a:lumMod val="85000"/>
+                  <a:lumOff val="15000"/>
+                </a:schemeClr>
+              </a:buClr>
+              <a:buFont typeface="Garamond" pitchFamily="18" charset="0"/>
+              <a:buChar char="◦"/>
+              <a:defRPr sz="1500" kern="1200">
+                <a:solidFill>
+                  <a:schemeClr val="tx1"/>
+                </a:solidFill>
+                <a:latin typeface="+mn-lt"/>
+                <a:ea typeface="+mn-ea"/>
+                <a:cs typeface="+mn-cs"/>
+              </a:defRPr>
+            </a:lvl1pPr>
+            <a:lvl2pPr marL="457200" indent="-182880" algn="l" defTabSz="914400" rtl="0" eaLnBrk="1" latinLnBrk="0" hangingPunct="1">
+              <a:lnSpc>
+                <a:spcPct val="100000"/>
+              </a:lnSpc>
+              <a:spcBef>
+                <a:spcPts val="500"/>
+              </a:spcBef>
+              <a:buClr>
+                <a:schemeClr val="tx1">
+                  <a:lumMod val="85000"/>
+                  <a:lumOff val="15000"/>
+                </a:schemeClr>
+              </a:buClr>
+              <a:buFont typeface="Garamond" pitchFamily="18" charset="0"/>
+              <a:buChar char="◦"/>
+              <a:defRPr sz="1300" kern="1200">
+                <a:solidFill>
+                  <a:schemeClr val="tx1"/>
+                </a:solidFill>
+                <a:latin typeface="+mn-lt"/>
+                <a:ea typeface="+mn-ea"/>
+                <a:cs typeface="+mn-cs"/>
+              </a:defRPr>
+            </a:lvl2pPr>
+            <a:lvl3pPr marL="731520" indent="-182880" algn="l" defTabSz="914400" rtl="0" eaLnBrk="1" latinLnBrk="0" hangingPunct="1">
+              <a:lnSpc>
+                <a:spcPct val="100000"/>
+              </a:lnSpc>
+              <a:spcBef>
+                <a:spcPts val="500"/>
+              </a:spcBef>
+              <a:buClr>
+                <a:schemeClr val="tx1">
+                  <a:lumMod val="85000"/>
+                  <a:lumOff val="15000"/>
+                </a:schemeClr>
+              </a:buClr>
+              <a:buFont typeface="Garamond" pitchFamily="18" charset="0"/>
+              <a:buChar char="◦"/>
+              <a:defRPr sz="1200" kern="1200">
+                <a:solidFill>
+                  <a:schemeClr val="tx1"/>
+                </a:solidFill>
+                <a:latin typeface="+mn-lt"/>
+                <a:ea typeface="+mn-ea"/>
+                <a:cs typeface="+mn-cs"/>
+              </a:defRPr>
+            </a:lvl3pPr>
+            <a:lvl4pPr marL="1005840" indent="-182880" algn="l" defTabSz="914400" rtl="0" eaLnBrk="1" latinLnBrk="0" hangingPunct="1">
+              <a:lnSpc>
+                <a:spcPct val="100000"/>
+              </a:lnSpc>
+              <a:spcBef>
+                <a:spcPts val="500"/>
+              </a:spcBef>
+              <a:buClr>
+                <a:schemeClr val="tx1">
+                  <a:lumMod val="85000"/>
+                  <a:lumOff val="15000"/>
+                </a:schemeClr>
+              </a:buClr>
+              <a:buFont typeface="Garamond" pitchFamily="18" charset="0"/>
+              <a:buChar char="◦"/>
+              <a:defRPr sz="1200" kern="1200">
+                <a:solidFill>
+                  <a:schemeClr val="tx1"/>
+                </a:solidFill>
+                <a:latin typeface="+mn-lt"/>
+                <a:ea typeface="+mn-ea"/>
+                <a:cs typeface="+mn-cs"/>
+              </a:defRPr>
+            </a:lvl4pPr>
+            <a:lvl5pPr marL="1280160" indent="-182880" algn="l" defTabSz="914400" rtl="0" eaLnBrk="1" latinLnBrk="0" hangingPunct="1">
+              <a:lnSpc>
+                <a:spcPct val="100000"/>
+              </a:lnSpc>
+              <a:spcBef>
+                <a:spcPts val="500"/>
+              </a:spcBef>
+              <a:buClr>
+                <a:schemeClr val="tx1">
+                  <a:lumMod val="85000"/>
+                  <a:lumOff val="15000"/>
+                </a:schemeClr>
+              </a:buClr>
+              <a:buFont typeface="Garamond" pitchFamily="18" charset="0"/>
+              <a:buChar char="◦"/>
+              <a:defRPr sz="1200" kern="1200">
+                <a:solidFill>
+                  <a:schemeClr val="tx1"/>
+                </a:solidFill>
+                <a:latin typeface="+mn-lt"/>
+                <a:ea typeface="+mn-ea"/>
+                <a:cs typeface="+mn-cs"/>
+              </a:defRPr>
+            </a:lvl5pPr>
+            <a:lvl6pPr marL="1600000" indent="-228600" algn="l" defTabSz="914400" rtl="0" eaLnBrk="1" latinLnBrk="0" hangingPunct="1">
+              <a:lnSpc>
+                <a:spcPct val="100000"/>
+              </a:lnSpc>
+              <a:spcBef>
+                <a:spcPts val="500"/>
+              </a:spcBef>
+              <a:buClr>
+                <a:schemeClr val="tx1">
+                  <a:lumMod val="85000"/>
+                  <a:lumOff val="15000"/>
+                </a:schemeClr>
+              </a:buClr>
+              <a:buFont typeface="Garamond" pitchFamily="18" charset="0"/>
+              <a:buChar char="◦"/>
+              <a:defRPr sz="1400" kern="1200">
+                <a:solidFill>
+                  <a:schemeClr val="tx1"/>
+                </a:solidFill>
+                <a:latin typeface="+mn-lt"/>
+                <a:ea typeface="+mn-ea"/>
+                <a:cs typeface="+mn-cs"/>
+              </a:defRPr>
+            </a:lvl6pPr>
+            <a:lvl7pPr marL="1900000" indent="-228600" algn="l" defTabSz="914400" rtl="0" eaLnBrk="1" latinLnBrk="0" hangingPunct="1">
+              <a:lnSpc>
+                <a:spcPct val="100000"/>
+              </a:lnSpc>
+              <a:spcBef>
+                <a:spcPts val="500"/>
+              </a:spcBef>
+              <a:buClr>
+                <a:schemeClr val="tx1">
+                  <a:lumMod val="85000"/>
+                  <a:lumOff val="15000"/>
+                </a:schemeClr>
+              </a:buClr>
+              <a:buFont typeface="Garamond" pitchFamily="18" charset="0"/>
+              <a:buChar char="◦"/>
+              <a:defRPr sz="1400" kern="1200">
+                <a:solidFill>
+                  <a:schemeClr val="tx1"/>
+                </a:solidFill>
+                <a:latin typeface="+mn-lt"/>
+                <a:ea typeface="+mn-ea"/>
+                <a:cs typeface="+mn-cs"/>
+              </a:defRPr>
+            </a:lvl7pPr>
+            <a:lvl8pPr marL="2200000" indent="-228600" algn="l" defTabSz="914400" rtl="0" eaLnBrk="1" latinLnBrk="0" hangingPunct="1">
+              <a:lnSpc>
+                <a:spcPct val="100000"/>
+              </a:lnSpc>
+              <a:spcBef>
+                <a:spcPts val="500"/>
+              </a:spcBef>
+              <a:buClr>
+                <a:schemeClr val="tx1">
+                  <a:lumMod val="85000"/>
+                  <a:lumOff val="15000"/>
+                </a:schemeClr>
+              </a:buClr>
+              <a:buFont typeface="Garamond" pitchFamily="18" charset="0"/>
+              <a:buChar char="◦"/>
+              <a:defRPr sz="1400" kern="1200">
+                <a:solidFill>
+                  <a:schemeClr val="tx1"/>
+                </a:solidFill>
+                <a:latin typeface="+mn-lt"/>
+                <a:ea typeface="+mn-ea"/>
+                <a:cs typeface="+mn-cs"/>
+              </a:defRPr>
+            </a:lvl8pPr>
+            <a:lvl9pPr marL="2500000" indent="-228600" algn="l" defTabSz="914400" rtl="0" eaLnBrk="1" latinLnBrk="0" hangingPunct="1">
+              <a:lnSpc>
+                <a:spcPct val="100000"/>
+              </a:lnSpc>
+              <a:spcBef>
+                <a:spcPts val="500"/>
+              </a:spcBef>
+              <a:buClr>
+                <a:schemeClr val="tx1">
+                  <a:lumMod val="85000"/>
+                  <a:lumOff val="15000"/>
+                </a:schemeClr>
+              </a:buClr>
+              <a:buFont typeface="Garamond" pitchFamily="18" charset="0"/>
+              <a:buChar char="◦"/>
+              <a:defRPr sz="1400" kern="1200">
+                <a:solidFill>
+                  <a:schemeClr val="tx1"/>
+                </a:solidFill>
+                <a:latin typeface="+mn-lt"/>
+                <a:ea typeface="+mn-ea"/>
+                <a:cs typeface="+mn-cs"/>
+              </a:defRPr>
+            </a:lvl9pPr>
+          </a:lstStyle>
           <a:p>
             <a:pPr marL="0" indent="0">
               <a:buFont typeface="Garamond" pitchFamily="18" charset="0"/>
@@ -7036,7 +7377,17 @@
             </a:pPr>
             <a:r>
               <a:rPr lang="en-US" sz="2800" dirty="0"/>
-              <a:t>The information (excluding the hash of the password) are displayed. A plus button allows the employee to increase the amount of money in the client’s wallet  </a:t>
+              <a:t>Route “/employee/orders”:</a:t>
+            </a:r>
+          </a:p>
+          <a:p>
+            <a:pPr marL="0" indent="0" algn="just">
+              <a:buFont typeface="Garamond" pitchFamily="18" charset="0"/>
+              <a:buNone/>
+            </a:pPr>
+            <a:r>
+              <a:rPr lang="en-US" sz="2800" dirty="0"/>
+              <a:t>The list of all orders is displayed. Each element of the list contains the information of a specific order. A button for each element is available to allow the employee to hand out the order to the customer.</a:t>
             </a:r>
           </a:p>
         </p:txBody>
@@ -7044,7 +7395,7 @@
     </p:spTree>
     <p:extLst>
       <p:ext uri="{BB962C8B-B14F-4D97-AF65-F5344CB8AC3E}">
-        <p14:creationId xmlns:p14="http://schemas.microsoft.com/office/powerpoint/2010/main" val="1630777665"/>
+        <p14:creationId xmlns:p14="http://schemas.microsoft.com/office/powerpoint/2010/main" val="166971433"/>
       </p:ext>
     </p:extLst>
   </p:cSld>
@@ -7073,10 +7424,39 @@
       </p:grpSpPr>
       <p:sp>
         <p:nvSpPr>
+          <p:cNvPr id="2" name="Titolo 1">
+            <a:extLst>
+              <a:ext uri="{FF2B5EF4-FFF2-40B4-BE49-F238E27FC236}">
+                <a16:creationId xmlns:a16="http://schemas.microsoft.com/office/drawing/2014/main" id="{4F938788-45E5-4D74-B776-53FC12E61C88}"/>
+              </a:ext>
+            </a:extLst>
+          </p:cNvPr>
+          <p:cNvSpPr>
+            <a:spLocks noGrp="1"/>
+          </p:cNvSpPr>
+          <p:nvPr>
+            <p:ph type="title"/>
+          </p:nvPr>
+        </p:nvSpPr>
+        <p:spPr/>
+        <p:txBody>
+          <a:bodyPr/>
+          <a:lstStyle/>
+          <a:p>
+            <a:pPr algn="ctr"/>
+            <a:r>
+              <a:rPr lang="en-GB" dirty="0"/>
+              <a:t>STORY 5</a:t>
+            </a:r>
+          </a:p>
+        </p:txBody>
+      </p:sp>
+      <p:sp>
+        <p:nvSpPr>
           <p:cNvPr id="3" name="Segnaposto contenuto 2">
             <a:extLst>
               <a:ext uri="{FF2B5EF4-FFF2-40B4-BE49-F238E27FC236}">
-                <a16:creationId xmlns:a16="http://schemas.microsoft.com/office/drawing/2014/main" id="{92D25D5D-F954-4C24-93D4-4F19870F73BC}"/>
+                <a16:creationId xmlns:a16="http://schemas.microsoft.com/office/drawing/2014/main" id="{C0F64ED1-7F27-40D8-9BD9-5C49ADEEFA34}"/>
               </a:ext>
             </a:extLst>
           </p:cNvPr>
@@ -7089,8 +7469,8 @@
         </p:nvSpPr>
         <p:spPr>
           <a:xfrm>
-            <a:off x="1066800" y="2172923"/>
-            <a:ext cx="10058400" cy="3108585"/>
+            <a:off x="1066800" y="2103120"/>
+            <a:ext cx="10058400" cy="1325880"/>
           </a:xfrm>
         </p:spPr>
         <p:txBody>
@@ -7103,34 +7483,22 @@
               <a:buNone/>
             </a:pPr>
             <a:r>
-              <a:rPr lang="en-US" sz="3600"/>
-              <a:t>THANK YOU FOR YOUR ATTENTION!</a:t>
-            </a:r>
-          </a:p>
-          <a:p>
-            <a:pPr marL="0" indent="0" algn="ctr">
-              <a:buNone/>
-            </a:pPr>
-            <a:endParaRPr lang="en-US" sz="3600"/>
-          </a:p>
-          <a:p>
-            <a:pPr marL="0" indent="0" algn="ctr">
-              <a:buNone/>
-            </a:pPr>
-            <a:r>
-              <a:rPr lang="en-US" sz="3600"/>
-              <a:t>ANY QUESTIONS?</a:t>
-            </a:r>
-            <a:endParaRPr lang="it-IT" sz="3600"/>
+              <a:rPr lang="en-US" sz="3200" dirty="0">
+                <a:solidFill>
+                  <a:srgbClr val="0070C0"/>
+                </a:solidFill>
+              </a:rPr>
+              <a:t>As a Shop Employee, I want to top-up a client’s wallet</a:t>
+            </a:r>
           </a:p>
         </p:txBody>
       </p:sp>
       <p:pic>
         <p:nvPicPr>
-          <p:cNvPr id="5" name="Elemento grafico 4" descr="Martello con riempimento a tinta unita">
+          <p:cNvPr id="4" name="Elemento grafico 3" descr="Badge Segno di spunta con riempimento a tinta unita">
             <a:extLst>
               <a:ext uri="{FF2B5EF4-FFF2-40B4-BE49-F238E27FC236}">
-                <a16:creationId xmlns:a16="http://schemas.microsoft.com/office/drawing/2014/main" id="{52D92989-DC25-496E-9B8D-9F113EF42E1D}"/>
+                <a16:creationId xmlns:a16="http://schemas.microsoft.com/office/drawing/2014/main" id="{E9F4F6B7-C233-41C4-8174-AC184FB10F5B}"/>
               </a:ext>
             </a:extLst>
           </p:cNvPr>
@@ -7155,8 +7523,8 @@
         </p:blipFill>
         <p:spPr>
           <a:xfrm>
-            <a:off x="10450569" y="5387992"/>
-            <a:ext cx="674631" cy="674631"/>
+            <a:off x="10346806" y="5357009"/>
+            <a:ext cx="818395" cy="818395"/>
           </a:xfrm>
           <a:prstGeom prst="rect">
             <a:avLst/>
@@ -7165,10 +7533,10 @@
       </p:pic>
       <p:sp>
         <p:nvSpPr>
-          <p:cNvPr id="6" name="CasellaDiTesto 5">
+          <p:cNvPr id="5" name="CasellaDiTesto 4">
             <a:extLst>
               <a:ext uri="{FF2B5EF4-FFF2-40B4-BE49-F238E27FC236}">
-                <a16:creationId xmlns:a16="http://schemas.microsoft.com/office/drawing/2014/main" id="{0F8A4153-E0C1-40E4-907C-75E17399478D}"/>
+                <a16:creationId xmlns:a16="http://schemas.microsoft.com/office/drawing/2014/main" id="{BA262492-DA87-4DBC-AC54-B82135F8E085}"/>
               </a:ext>
             </a:extLst>
           </p:cNvPr>
@@ -7177,8 +7545,8 @@
         </p:nvSpPr>
         <p:spPr>
           <a:xfrm>
-            <a:off x="8401557" y="5494474"/>
-            <a:ext cx="2409672" cy="461665"/>
+            <a:off x="9395830" y="5539673"/>
+            <a:ext cx="1360174" cy="461665"/>
           </a:xfrm>
           <a:prstGeom prst="rect">
             <a:avLst/>
@@ -7193,16 +7561,294 @@
           <a:p>
             <a:r>
               <a:rPr lang="en-US" sz="2400"/>
-              <a:t>IN PROGRESS</a:t>
+              <a:t>DONE</a:t>
             </a:r>
             <a:endParaRPr lang="it-IT"/>
+          </a:p>
+        </p:txBody>
+      </p:sp>
+      <p:sp>
+        <p:nvSpPr>
+          <p:cNvPr id="6" name="Segnaposto contenuto 2">
+            <a:extLst>
+              <a:ext uri="{FF2B5EF4-FFF2-40B4-BE49-F238E27FC236}">
+                <a16:creationId xmlns:a16="http://schemas.microsoft.com/office/drawing/2014/main" id="{4E66AC49-402C-2249-B788-BCF937CDB208}"/>
+              </a:ext>
+            </a:extLst>
+          </p:cNvPr>
+          <p:cNvSpPr txBox="1">
+            <a:spLocks/>
+          </p:cNvSpPr>
+          <p:nvPr/>
+        </p:nvSpPr>
+        <p:spPr>
+          <a:xfrm>
+            <a:off x="886436" y="3384568"/>
+            <a:ext cx="10419127" cy="2155106"/>
+          </a:xfrm>
+          <a:prstGeom prst="rect">
+            <a:avLst/>
+          </a:prstGeom>
+        </p:spPr>
+        <p:txBody>
+          <a:bodyPr vert="horz" lIns="91440" tIns="45720" rIns="91440" bIns="45720" rtlCol="0">
+            <a:noAutofit/>
+          </a:bodyPr>
+          <a:lstStyle>
+            <a:lvl1pPr marL="182880" indent="-182880" algn="l" defTabSz="914400" rtl="0" eaLnBrk="1" latinLnBrk="0" hangingPunct="1">
+              <a:lnSpc>
+                <a:spcPct val="110000"/>
+              </a:lnSpc>
+              <a:spcBef>
+                <a:spcPts val="900"/>
+              </a:spcBef>
+              <a:spcAft>
+                <a:spcPts val="0"/>
+              </a:spcAft>
+              <a:buClr>
+                <a:schemeClr val="tx1">
+                  <a:lumMod val="85000"/>
+                  <a:lumOff val="15000"/>
+                </a:schemeClr>
+              </a:buClr>
+              <a:buFont typeface="Garamond" pitchFamily="18" charset="0"/>
+              <a:buChar char="◦"/>
+              <a:defRPr sz="1500" kern="1200">
+                <a:solidFill>
+                  <a:schemeClr val="tx1"/>
+                </a:solidFill>
+                <a:latin typeface="+mn-lt"/>
+                <a:ea typeface="+mn-ea"/>
+                <a:cs typeface="+mn-cs"/>
+              </a:defRPr>
+            </a:lvl1pPr>
+            <a:lvl2pPr marL="457200" indent="-182880" algn="l" defTabSz="914400" rtl="0" eaLnBrk="1" latinLnBrk="0" hangingPunct="1">
+              <a:lnSpc>
+                <a:spcPct val="100000"/>
+              </a:lnSpc>
+              <a:spcBef>
+                <a:spcPts val="500"/>
+              </a:spcBef>
+              <a:buClr>
+                <a:schemeClr val="tx1">
+                  <a:lumMod val="85000"/>
+                  <a:lumOff val="15000"/>
+                </a:schemeClr>
+              </a:buClr>
+              <a:buFont typeface="Garamond" pitchFamily="18" charset="0"/>
+              <a:buChar char="◦"/>
+              <a:defRPr sz="1300" kern="1200">
+                <a:solidFill>
+                  <a:schemeClr val="tx1"/>
+                </a:solidFill>
+                <a:latin typeface="+mn-lt"/>
+                <a:ea typeface="+mn-ea"/>
+                <a:cs typeface="+mn-cs"/>
+              </a:defRPr>
+            </a:lvl2pPr>
+            <a:lvl3pPr marL="731520" indent="-182880" algn="l" defTabSz="914400" rtl="0" eaLnBrk="1" latinLnBrk="0" hangingPunct="1">
+              <a:lnSpc>
+                <a:spcPct val="100000"/>
+              </a:lnSpc>
+              <a:spcBef>
+                <a:spcPts val="500"/>
+              </a:spcBef>
+              <a:buClr>
+                <a:schemeClr val="tx1">
+                  <a:lumMod val="85000"/>
+                  <a:lumOff val="15000"/>
+                </a:schemeClr>
+              </a:buClr>
+              <a:buFont typeface="Garamond" pitchFamily="18" charset="0"/>
+              <a:buChar char="◦"/>
+              <a:defRPr sz="1200" kern="1200">
+                <a:solidFill>
+                  <a:schemeClr val="tx1"/>
+                </a:solidFill>
+                <a:latin typeface="+mn-lt"/>
+                <a:ea typeface="+mn-ea"/>
+                <a:cs typeface="+mn-cs"/>
+              </a:defRPr>
+            </a:lvl3pPr>
+            <a:lvl4pPr marL="1005840" indent="-182880" algn="l" defTabSz="914400" rtl="0" eaLnBrk="1" latinLnBrk="0" hangingPunct="1">
+              <a:lnSpc>
+                <a:spcPct val="100000"/>
+              </a:lnSpc>
+              <a:spcBef>
+                <a:spcPts val="500"/>
+              </a:spcBef>
+              <a:buClr>
+                <a:schemeClr val="tx1">
+                  <a:lumMod val="85000"/>
+                  <a:lumOff val="15000"/>
+                </a:schemeClr>
+              </a:buClr>
+              <a:buFont typeface="Garamond" pitchFamily="18" charset="0"/>
+              <a:buChar char="◦"/>
+              <a:defRPr sz="1200" kern="1200">
+                <a:solidFill>
+                  <a:schemeClr val="tx1"/>
+                </a:solidFill>
+                <a:latin typeface="+mn-lt"/>
+                <a:ea typeface="+mn-ea"/>
+                <a:cs typeface="+mn-cs"/>
+              </a:defRPr>
+            </a:lvl4pPr>
+            <a:lvl5pPr marL="1280160" indent="-182880" algn="l" defTabSz="914400" rtl="0" eaLnBrk="1" latinLnBrk="0" hangingPunct="1">
+              <a:lnSpc>
+                <a:spcPct val="100000"/>
+              </a:lnSpc>
+              <a:spcBef>
+                <a:spcPts val="500"/>
+              </a:spcBef>
+              <a:buClr>
+                <a:schemeClr val="tx1">
+                  <a:lumMod val="85000"/>
+                  <a:lumOff val="15000"/>
+                </a:schemeClr>
+              </a:buClr>
+              <a:buFont typeface="Garamond" pitchFamily="18" charset="0"/>
+              <a:buChar char="◦"/>
+              <a:defRPr sz="1200" kern="1200">
+                <a:solidFill>
+                  <a:schemeClr val="tx1"/>
+                </a:solidFill>
+                <a:latin typeface="+mn-lt"/>
+                <a:ea typeface="+mn-ea"/>
+                <a:cs typeface="+mn-cs"/>
+              </a:defRPr>
+            </a:lvl5pPr>
+            <a:lvl6pPr marL="1600000" indent="-228600" algn="l" defTabSz="914400" rtl="0" eaLnBrk="1" latinLnBrk="0" hangingPunct="1">
+              <a:lnSpc>
+                <a:spcPct val="100000"/>
+              </a:lnSpc>
+              <a:spcBef>
+                <a:spcPts val="500"/>
+              </a:spcBef>
+              <a:buClr>
+                <a:schemeClr val="tx1">
+                  <a:lumMod val="85000"/>
+                  <a:lumOff val="15000"/>
+                </a:schemeClr>
+              </a:buClr>
+              <a:buFont typeface="Garamond" pitchFamily="18" charset="0"/>
+              <a:buChar char="◦"/>
+              <a:defRPr sz="1400" kern="1200">
+                <a:solidFill>
+                  <a:schemeClr val="tx1"/>
+                </a:solidFill>
+                <a:latin typeface="+mn-lt"/>
+                <a:ea typeface="+mn-ea"/>
+                <a:cs typeface="+mn-cs"/>
+              </a:defRPr>
+            </a:lvl6pPr>
+            <a:lvl7pPr marL="1900000" indent="-228600" algn="l" defTabSz="914400" rtl="0" eaLnBrk="1" latinLnBrk="0" hangingPunct="1">
+              <a:lnSpc>
+                <a:spcPct val="100000"/>
+              </a:lnSpc>
+              <a:spcBef>
+                <a:spcPts val="500"/>
+              </a:spcBef>
+              <a:buClr>
+                <a:schemeClr val="tx1">
+                  <a:lumMod val="85000"/>
+                  <a:lumOff val="15000"/>
+                </a:schemeClr>
+              </a:buClr>
+              <a:buFont typeface="Garamond" pitchFamily="18" charset="0"/>
+              <a:buChar char="◦"/>
+              <a:defRPr sz="1400" kern="1200">
+                <a:solidFill>
+                  <a:schemeClr val="tx1"/>
+                </a:solidFill>
+                <a:latin typeface="+mn-lt"/>
+                <a:ea typeface="+mn-ea"/>
+                <a:cs typeface="+mn-cs"/>
+              </a:defRPr>
+            </a:lvl7pPr>
+            <a:lvl8pPr marL="2200000" indent="-228600" algn="l" defTabSz="914400" rtl="0" eaLnBrk="1" latinLnBrk="0" hangingPunct="1">
+              <a:lnSpc>
+                <a:spcPct val="100000"/>
+              </a:lnSpc>
+              <a:spcBef>
+                <a:spcPts val="500"/>
+              </a:spcBef>
+              <a:buClr>
+                <a:schemeClr val="tx1">
+                  <a:lumMod val="85000"/>
+                  <a:lumOff val="15000"/>
+                </a:schemeClr>
+              </a:buClr>
+              <a:buFont typeface="Garamond" pitchFamily="18" charset="0"/>
+              <a:buChar char="◦"/>
+              <a:defRPr sz="1400" kern="1200">
+                <a:solidFill>
+                  <a:schemeClr val="tx1"/>
+                </a:solidFill>
+                <a:latin typeface="+mn-lt"/>
+                <a:ea typeface="+mn-ea"/>
+                <a:cs typeface="+mn-cs"/>
+              </a:defRPr>
+            </a:lvl8pPr>
+            <a:lvl9pPr marL="2500000" indent="-228600" algn="l" defTabSz="914400" rtl="0" eaLnBrk="1" latinLnBrk="0" hangingPunct="1">
+              <a:lnSpc>
+                <a:spcPct val="100000"/>
+              </a:lnSpc>
+              <a:spcBef>
+                <a:spcPts val="500"/>
+              </a:spcBef>
+              <a:buClr>
+                <a:schemeClr val="tx1">
+                  <a:lumMod val="85000"/>
+                  <a:lumOff val="15000"/>
+                </a:schemeClr>
+              </a:buClr>
+              <a:buFont typeface="Garamond" pitchFamily="18" charset="0"/>
+              <a:buChar char="◦"/>
+              <a:defRPr sz="1400" kern="1200">
+                <a:solidFill>
+                  <a:schemeClr val="tx1"/>
+                </a:solidFill>
+                <a:latin typeface="+mn-lt"/>
+                <a:ea typeface="+mn-ea"/>
+                <a:cs typeface="+mn-cs"/>
+              </a:defRPr>
+            </a:lvl9pPr>
+          </a:lstStyle>
+          <a:p>
+            <a:pPr marL="0" indent="0">
+              <a:buFont typeface="Garamond" pitchFamily="18" charset="0"/>
+              <a:buNone/>
+            </a:pPr>
+            <a:r>
+              <a:rPr lang="en-US" sz="2800" dirty="0"/>
+              <a:t>Route “/employee/clients/{</a:t>
+            </a:r>
+            <a:r>
+              <a:rPr lang="en-US" sz="2800" dirty="0" err="1"/>
+              <a:t>clientID</a:t>
+            </a:r>
+            <a:r>
+              <a:rPr lang="en-US" sz="2800" dirty="0"/>
+              <a:t>}”:</a:t>
+            </a:r>
+          </a:p>
+          <a:p>
+            <a:pPr marL="0" indent="0">
+              <a:buFont typeface="Garamond" pitchFamily="18" charset="0"/>
+              <a:buNone/>
+            </a:pPr>
+            <a:r>
+              <a:rPr lang="en-US" sz="2800" dirty="0"/>
+              <a:t>The information (excluding the hash of the password) are displayed. A plus button allows the employee to increase the amount of money in the client’s wallet  </a:t>
+            </a:r>
           </a:p>
         </p:txBody>
       </p:sp>
     </p:spTree>
     <p:extLst>
       <p:ext uri="{BB962C8B-B14F-4D97-AF65-F5344CB8AC3E}">
-        <p14:creationId xmlns:p14="http://schemas.microsoft.com/office/powerpoint/2010/main" val="1746044027"/>
+        <p14:creationId xmlns:p14="http://schemas.microsoft.com/office/powerpoint/2010/main" val="1630777665"/>
       </p:ext>
     </p:extLst>
   </p:cSld>
